--- a/slides/09_data_combining_joins_and_binds.pptx
+++ b/slides/09_data_combining_joins_and_binds.pptx
@@ -5,7 +5,7 @@
     <p:sldMasterId id="2147483648" r:id="rId1"/>
   </p:sldMasterIdLst>
   <p:notesMasterIdLst>
-    <p:notesMasterId r:id="rId15"/>
+    <p:notesMasterId r:id="rId16"/>
   </p:notesMasterIdLst>
   <p:sldIdLst>
     <p:sldId id="396" r:id="rId2"/>
@@ -13,14 +13,15 @@
     <p:sldId id="406" r:id="rId4"/>
     <p:sldId id="407" r:id="rId5"/>
     <p:sldId id="398" r:id="rId6"/>
-    <p:sldId id="399" r:id="rId7"/>
-    <p:sldId id="397" r:id="rId8"/>
-    <p:sldId id="401" r:id="rId9"/>
-    <p:sldId id="405" r:id="rId10"/>
-    <p:sldId id="400" r:id="rId11"/>
-    <p:sldId id="402" r:id="rId12"/>
-    <p:sldId id="403" r:id="rId13"/>
-    <p:sldId id="404" r:id="rId14"/>
+    <p:sldId id="408" r:id="rId7"/>
+    <p:sldId id="399" r:id="rId8"/>
+    <p:sldId id="397" r:id="rId9"/>
+    <p:sldId id="401" r:id="rId10"/>
+    <p:sldId id="405" r:id="rId11"/>
+    <p:sldId id="400" r:id="rId12"/>
+    <p:sldId id="402" r:id="rId13"/>
+    <p:sldId id="403" r:id="rId14"/>
+    <p:sldId id="404" r:id="rId15"/>
   </p:sldIdLst>
   <p:sldSz cx="12192000" cy="6858000"/>
   <p:notesSz cx="6858000" cy="9144000"/>
@@ -209,7 +210,7 @@
           <a:p>
             <a:fld id="{3225D0BA-C5CC-4748-AE46-B61F31062CCD}" type="datetimeFigureOut">
               <a:rPr lang="en-US" smtClean="0"/>
-              <a:t>4/17/2018</a:t>
+              <a:t>5/12/2018</a:t>
             </a:fld>
             <a:endParaRPr lang="en-US"/>
           </a:p>
@@ -571,6 +572,93 @@
 </p:notes>
 </file>
 
+<file path=ppt/notesSlides/notesSlide10.xml><?xml version="1.0" encoding="utf-8"?>
+<p:notes xmlns:a="http://schemas.openxmlformats.org/drawingml/2006/main" xmlns:r="http://schemas.openxmlformats.org/officeDocument/2006/relationships" xmlns:p="http://schemas.openxmlformats.org/presentationml/2006/main">
+  <p:cSld>
+    <p:spTree>
+      <p:nvGrpSpPr>
+        <p:cNvPr id="1" name=""/>
+        <p:cNvGrpSpPr/>
+        <p:nvPr/>
+      </p:nvGrpSpPr>
+      <p:grpSpPr>
+        <a:xfrm>
+          <a:off x="0" y="0"/>
+          <a:ext cx="0" cy="0"/>
+          <a:chOff x="0" y="0"/>
+          <a:chExt cx="0" cy="0"/>
+        </a:xfrm>
+      </p:grpSpPr>
+      <p:sp>
+        <p:nvSpPr>
+          <p:cNvPr id="2" name="Slide Image Placeholder 1"/>
+          <p:cNvSpPr>
+            <a:spLocks noGrp="1" noRot="1" noChangeAspect="1"/>
+          </p:cNvSpPr>
+          <p:nvPr>
+            <p:ph type="sldImg"/>
+          </p:nvPr>
+        </p:nvSpPr>
+        <p:spPr/>
+      </p:sp>
+      <p:sp>
+        <p:nvSpPr>
+          <p:cNvPr id="3" name="Notes Placeholder 2"/>
+          <p:cNvSpPr>
+            <a:spLocks noGrp="1"/>
+          </p:cNvSpPr>
+          <p:nvPr>
+            <p:ph type="body" idx="1"/>
+          </p:nvPr>
+        </p:nvSpPr>
+        <p:spPr/>
+        <p:txBody>
+          <a:bodyPr/>
+          <a:lstStyle/>
+          <a:p>
+            <a:r>
+              <a:rPr lang="en-US" dirty="0"/>
+              <a:t>An inner join is more efficient because no fill in</a:t>
+            </a:r>
+          </a:p>
+        </p:txBody>
+      </p:sp>
+      <p:sp>
+        <p:nvSpPr>
+          <p:cNvPr id="4" name="Slide Number Placeholder 3"/>
+          <p:cNvSpPr>
+            <a:spLocks noGrp="1"/>
+          </p:cNvSpPr>
+          <p:nvPr>
+            <p:ph type="sldNum" sz="quarter" idx="10"/>
+          </p:nvPr>
+        </p:nvSpPr>
+        <p:spPr/>
+        <p:txBody>
+          <a:bodyPr/>
+          <a:lstStyle/>
+          <a:p>
+            <a:fld id="{14F3F799-0B82-4296-AD99-D8E54283B215}" type="slidenum">
+              <a:rPr lang="en-US" smtClean="0"/>
+              <a:t>13</a:t>
+            </a:fld>
+            <a:endParaRPr lang="en-US"/>
+          </a:p>
+        </p:txBody>
+      </p:sp>
+    </p:spTree>
+    <p:extLst>
+      <p:ext uri="{BB962C8B-B14F-4D97-AF65-F5344CB8AC3E}">
+        <p14:creationId xmlns:p14="http://schemas.microsoft.com/office/powerpoint/2010/main" val="2060737133"/>
+      </p:ext>
+    </p:extLst>
+  </p:cSld>
+  <p:clrMapOvr>
+    <a:masterClrMapping/>
+  </p:clrMapOvr>
+</p:notes>
+</file>
+
 <file path=ppt/notesSlides/notesSlide2.xml><?xml version="1.0" encoding="utf-8"?>
 <p:notes xmlns:a="http://schemas.openxmlformats.org/drawingml/2006/main" xmlns:r="http://schemas.openxmlformats.org/officeDocument/2006/relationships" xmlns:p="http://schemas.openxmlformats.org/presentationml/2006/main">
   <p:cSld>
@@ -788,7 +876,7 @@
           <a:p>
             <a:r>
               <a:rPr lang="en-US" dirty="0"/>
-              <a:t>Left and inner do most all jobs (in R left usually).  Anything else and you’re probably showing off.</a:t>
+              <a:t>There are KEY columns that allow the tables to be related to one another and combined into human readable format</a:t>
             </a:r>
           </a:p>
         </p:txBody>
@@ -819,7 +907,7 @@
     </p:spTree>
     <p:extLst>
       <p:ext uri="{BB962C8B-B14F-4D97-AF65-F5344CB8AC3E}">
-        <p14:creationId xmlns:p14="http://schemas.microsoft.com/office/powerpoint/2010/main" val="3076307578"/>
+        <p14:creationId xmlns:p14="http://schemas.microsoft.com/office/powerpoint/2010/main" val="452097125"/>
       </p:ext>
     </p:extLst>
   </p:cSld>
@@ -875,7 +963,7 @@
           <a:p>
             <a:r>
               <a:rPr lang="en-US" dirty="0"/>
-              <a:t>Often you want to know where there is no match (don’t want to discard).</a:t>
+              <a:t>Left and inner do most all jobs (in R left usually).  Anything else and you’re probably showing off.</a:t>
             </a:r>
           </a:p>
         </p:txBody>
@@ -906,7 +994,7 @@
     </p:spTree>
     <p:extLst>
       <p:ext uri="{BB962C8B-B14F-4D97-AF65-F5344CB8AC3E}">
-        <p14:creationId xmlns:p14="http://schemas.microsoft.com/office/powerpoint/2010/main" val="3346385428"/>
+        <p14:creationId xmlns:p14="http://schemas.microsoft.com/office/powerpoint/2010/main" val="3076307578"/>
       </p:ext>
     </p:extLst>
   </p:cSld>
@@ -962,7 +1050,7 @@
           <a:p>
             <a:r>
               <a:rPr lang="en-US" dirty="0"/>
-              <a:t>An inner join is more efficient because no fill in</a:t>
+              <a:t>Often you want to know where there is no match (don’t want to discard).</a:t>
             </a:r>
           </a:p>
         </p:txBody>
@@ -993,7 +1081,7 @@
     </p:spTree>
     <p:extLst>
       <p:ext uri="{BB962C8B-B14F-4D97-AF65-F5344CB8AC3E}">
-        <p14:creationId xmlns:p14="http://schemas.microsoft.com/office/powerpoint/2010/main" val="1432505477"/>
+        <p14:creationId xmlns:p14="http://schemas.microsoft.com/office/powerpoint/2010/main" val="3346385428"/>
       </p:ext>
     </p:extLst>
   </p:cSld>
@@ -1049,7 +1137,7 @@
           <a:p>
             <a:r>
               <a:rPr lang="en-US" dirty="0"/>
-              <a:t>A mapping that shows how tables link up.  Our systems don’t have a ER Diagram but the salesforce data does  and can help guide you through the connections though salesforce != our SF data dump</a:t>
+              <a:t>An inner join is more efficient because no fill in</a:t>
             </a:r>
           </a:p>
         </p:txBody>
@@ -1080,7 +1168,7 @@
     </p:spTree>
     <p:extLst>
       <p:ext uri="{BB962C8B-B14F-4D97-AF65-F5344CB8AC3E}">
-        <p14:creationId xmlns:p14="http://schemas.microsoft.com/office/powerpoint/2010/main" val="205707720"/>
+        <p14:creationId xmlns:p14="http://schemas.microsoft.com/office/powerpoint/2010/main" val="1432505477"/>
       </p:ext>
     </p:extLst>
   </p:cSld>
@@ -1136,7 +1224,7 @@
           <a:p>
             <a:r>
               <a:rPr lang="en-US" dirty="0"/>
-              <a:t>Often you want to know where there is no match (don’t want to discard).</a:t>
+              <a:t>A mapping that shows how tables link up.  Our systems don’t have a ER Diagram but the salesforce data does  and can help guide you through the connections though salesforce != our SF data dump</a:t>
             </a:r>
           </a:p>
         </p:txBody>
@@ -1158,7 +1246,7 @@
           <a:p>
             <a:fld id="{14F3F799-0B82-4296-AD99-D8E54283B215}" type="slidenum">
               <a:rPr lang="en-US" smtClean="0"/>
-              <a:t>11</a:t>
+              <a:t>10</a:t>
             </a:fld>
             <a:endParaRPr lang="en-US"/>
           </a:p>
@@ -1167,7 +1255,7 @@
     </p:spTree>
     <p:extLst>
       <p:ext uri="{BB962C8B-B14F-4D97-AF65-F5344CB8AC3E}">
-        <p14:creationId xmlns:p14="http://schemas.microsoft.com/office/powerpoint/2010/main" val="3675353652"/>
+        <p14:creationId xmlns:p14="http://schemas.microsoft.com/office/powerpoint/2010/main" val="205707720"/>
       </p:ext>
     </p:extLst>
   </p:cSld>
@@ -1223,7 +1311,7 @@
           <a:p>
             <a:r>
               <a:rPr lang="en-US" dirty="0"/>
-              <a:t>An inner join is more efficient because no fill in</a:t>
+              <a:t>Often you want to know where there is no match (don’t want to discard).</a:t>
             </a:r>
           </a:p>
         </p:txBody>
@@ -1254,7 +1342,7 @@
     </p:spTree>
     <p:extLst>
       <p:ext uri="{BB962C8B-B14F-4D97-AF65-F5344CB8AC3E}">
-        <p14:creationId xmlns:p14="http://schemas.microsoft.com/office/powerpoint/2010/main" val="2060737133"/>
+        <p14:creationId xmlns:p14="http://schemas.microsoft.com/office/powerpoint/2010/main" val="3675353652"/>
       </p:ext>
     </p:extLst>
   </p:cSld>
@@ -1411,7 +1499,7 @@
           <a:p>
             <a:fld id="{F461E63B-B13E-4884-A06A-FCFDEDCB16F4}" type="datetimeFigureOut">
               <a:rPr lang="en-US" smtClean="0"/>
-              <a:t>4/17/2018</a:t>
+              <a:t>5/12/2018</a:t>
             </a:fld>
             <a:endParaRPr lang="en-US"/>
           </a:p>
@@ -1609,7 +1697,7 @@
           <a:p>
             <a:fld id="{F461E63B-B13E-4884-A06A-FCFDEDCB16F4}" type="datetimeFigureOut">
               <a:rPr lang="en-US" smtClean="0"/>
-              <a:t>4/17/2018</a:t>
+              <a:t>5/12/2018</a:t>
             </a:fld>
             <a:endParaRPr lang="en-US"/>
           </a:p>
@@ -1817,7 +1905,7 @@
           <a:p>
             <a:fld id="{F461E63B-B13E-4884-A06A-FCFDEDCB16F4}" type="datetimeFigureOut">
               <a:rPr lang="en-US" smtClean="0"/>
-              <a:t>4/17/2018</a:t>
+              <a:t>5/12/2018</a:t>
             </a:fld>
             <a:endParaRPr lang="en-US"/>
           </a:p>
@@ -2015,7 +2103,7 @@
           <a:p>
             <a:fld id="{F461E63B-B13E-4884-A06A-FCFDEDCB16F4}" type="datetimeFigureOut">
               <a:rPr lang="en-US" smtClean="0"/>
-              <a:t>4/17/2018</a:t>
+              <a:t>5/12/2018</a:t>
             </a:fld>
             <a:endParaRPr lang="en-US"/>
           </a:p>
@@ -2290,7 +2378,7 @@
           <a:p>
             <a:fld id="{F461E63B-B13E-4884-A06A-FCFDEDCB16F4}" type="datetimeFigureOut">
               <a:rPr lang="en-US" smtClean="0"/>
-              <a:t>4/17/2018</a:t>
+              <a:t>5/12/2018</a:t>
             </a:fld>
             <a:endParaRPr lang="en-US"/>
           </a:p>
@@ -2555,7 +2643,7 @@
           <a:p>
             <a:fld id="{F461E63B-B13E-4884-A06A-FCFDEDCB16F4}" type="datetimeFigureOut">
               <a:rPr lang="en-US" smtClean="0"/>
-              <a:t>4/17/2018</a:t>
+              <a:t>5/12/2018</a:t>
             </a:fld>
             <a:endParaRPr lang="en-US"/>
           </a:p>
@@ -2967,7 +3055,7 @@
           <a:p>
             <a:fld id="{F461E63B-B13E-4884-A06A-FCFDEDCB16F4}" type="datetimeFigureOut">
               <a:rPr lang="en-US" smtClean="0"/>
-              <a:t>4/17/2018</a:t>
+              <a:t>5/12/2018</a:t>
             </a:fld>
             <a:endParaRPr lang="en-US"/>
           </a:p>
@@ -3108,7 +3196,7 @@
           <a:p>
             <a:fld id="{F461E63B-B13E-4884-A06A-FCFDEDCB16F4}" type="datetimeFigureOut">
               <a:rPr lang="en-US" smtClean="0"/>
-              <a:t>4/17/2018</a:t>
+              <a:t>5/12/2018</a:t>
             </a:fld>
             <a:endParaRPr lang="en-US"/>
           </a:p>
@@ -3221,7 +3309,7 @@
           <a:p>
             <a:fld id="{F461E63B-B13E-4884-A06A-FCFDEDCB16F4}" type="datetimeFigureOut">
               <a:rPr lang="en-US" smtClean="0"/>
-              <a:t>4/17/2018</a:t>
+              <a:t>5/12/2018</a:t>
             </a:fld>
             <a:endParaRPr lang="en-US"/>
           </a:p>
@@ -3532,7 +3620,7 @@
           <a:p>
             <a:fld id="{F461E63B-B13E-4884-A06A-FCFDEDCB16F4}" type="datetimeFigureOut">
               <a:rPr lang="en-US" smtClean="0"/>
-              <a:t>4/17/2018</a:t>
+              <a:t>5/12/2018</a:t>
             </a:fld>
             <a:endParaRPr lang="en-US"/>
           </a:p>
@@ -3820,7 +3908,7 @@
           <a:p>
             <a:fld id="{F461E63B-B13E-4884-A06A-FCFDEDCB16F4}" type="datetimeFigureOut">
               <a:rPr lang="en-US" smtClean="0"/>
-              <a:t>4/17/2018</a:t>
+              <a:t>5/12/2018</a:t>
             </a:fld>
             <a:endParaRPr lang="en-US"/>
           </a:p>
@@ -4061,7 +4149,7 @@
           <a:p>
             <a:fld id="{F461E63B-B13E-4884-A06A-FCFDEDCB16F4}" type="datetimeFigureOut">
               <a:rPr lang="en-US" smtClean="0"/>
-              <a:t>4/17/2018</a:t>
+              <a:t>5/12/2018</a:t>
             </a:fld>
             <a:endParaRPr lang="en-US"/>
           </a:p>
@@ -5197,7 +5285,7 @@
           <a:p>
             <a:r>
               <a:rPr lang="en-US" b="1" dirty="0"/>
-              <a:t>Analysis: </a:t>
+              <a:t>Combining: </a:t>
             </a:r>
             <a:r>
               <a:rPr lang="en-US" dirty="0">
@@ -5207,7 +5295,7 @@
                   </a:schemeClr>
                 </a:solidFill>
               </a:rPr>
-              <a:t>Exploratory Data Analysis</a:t>
+              <a:t>Joining &amp; Binding</a:t>
             </a:r>
           </a:p>
         </p:txBody>
@@ -6210,6 +6298,888 @@
 </file>
 
 <file path=ppt/slides/slide10.xml><?xml version="1.0" encoding="utf-8"?>
+<p:sld xmlns:a="http://schemas.openxmlformats.org/drawingml/2006/main" xmlns:r="http://schemas.openxmlformats.org/officeDocument/2006/relationships" xmlns:p="http://schemas.openxmlformats.org/presentationml/2006/main" show="0">
+  <p:cSld>
+    <p:spTree>
+      <p:nvGrpSpPr>
+        <p:cNvPr id="1" name=""/>
+        <p:cNvGrpSpPr/>
+        <p:nvPr/>
+      </p:nvGrpSpPr>
+      <p:grpSpPr>
+        <a:xfrm>
+          <a:off x="0" y="0"/>
+          <a:ext cx="0" cy="0"/>
+          <a:chOff x="0" y="0"/>
+          <a:chExt cx="0" cy="0"/>
+        </a:xfrm>
+      </p:grpSpPr>
+      <p:sp>
+        <p:nvSpPr>
+          <p:cNvPr id="2" name="Title 1">
+            <a:extLst>
+              <a:ext uri="{FF2B5EF4-FFF2-40B4-BE49-F238E27FC236}">
+                <a16:creationId xmlns:a16="http://schemas.microsoft.com/office/drawing/2014/main" id="{32619911-FBE2-4B2B-B954-D18E9A846DD6}"/>
+              </a:ext>
+            </a:extLst>
+          </p:cNvPr>
+          <p:cNvSpPr>
+            <a:spLocks noGrp="1"/>
+          </p:cNvSpPr>
+          <p:nvPr>
+            <p:ph type="title"/>
+          </p:nvPr>
+        </p:nvSpPr>
+        <p:spPr>
+          <a:xfrm>
+            <a:off x="284018" y="238139"/>
+            <a:ext cx="3820568" cy="2945403"/>
+          </a:xfrm>
+        </p:spPr>
+        <p:txBody>
+          <a:bodyPr/>
+          <a:lstStyle/>
+          <a:p>
+            <a:r>
+              <a:rPr lang="en-US" dirty="0"/>
+              <a:t>Salesforce Entity Relationship Diagram</a:t>
+            </a:r>
+          </a:p>
+        </p:txBody>
+      </p:sp>
+      <p:sp>
+        <p:nvSpPr>
+          <p:cNvPr id="3" name="Content Placeholder 2">
+            <a:extLst>
+              <a:ext uri="{FF2B5EF4-FFF2-40B4-BE49-F238E27FC236}">
+                <a16:creationId xmlns:a16="http://schemas.microsoft.com/office/drawing/2014/main" id="{A1F9CA15-9191-42B0-88A2-E0089097FD92}"/>
+              </a:ext>
+            </a:extLst>
+          </p:cNvPr>
+          <p:cNvSpPr>
+            <a:spLocks noGrp="1"/>
+          </p:cNvSpPr>
+          <p:nvPr>
+            <p:ph idx="1"/>
+          </p:nvPr>
+        </p:nvSpPr>
+        <p:spPr>
+          <a:xfrm>
+            <a:off x="284018" y="3074446"/>
+            <a:ext cx="3505200" cy="3026621"/>
+          </a:xfrm>
+        </p:spPr>
+        <p:txBody>
+          <a:bodyPr/>
+          <a:lstStyle/>
+          <a:p>
+            <a:pPr marL="0" indent="0">
+              <a:buNone/>
+            </a:pPr>
+            <a:r>
+              <a:rPr lang="en-US" b="1" dirty="0">
+                <a:solidFill>
+                  <a:schemeClr val="tx1">
+                    <a:lumMod val="65000"/>
+                    <a:lumOff val="35000"/>
+                  </a:schemeClr>
+                </a:solidFill>
+              </a:rPr>
+              <a:t>Two Parts to Joining:</a:t>
+            </a:r>
+          </a:p>
+          <a:p>
+            <a:pPr marL="514350" indent="-514350">
+              <a:buFont typeface="+mj-lt"/>
+              <a:buAutoNum type="arabicPeriod"/>
+            </a:pPr>
+            <a:r>
+              <a:rPr lang="en-US" dirty="0">
+                <a:solidFill>
+                  <a:schemeClr val="tx1">
+                    <a:lumMod val="65000"/>
+                    <a:lumOff val="35000"/>
+                  </a:schemeClr>
+                </a:solidFill>
+              </a:rPr>
+              <a:t>Knowing tables, fields, and key connections</a:t>
+            </a:r>
+          </a:p>
+          <a:p>
+            <a:pPr marL="514350" indent="-514350">
+              <a:buFont typeface="+mj-lt"/>
+              <a:buAutoNum type="arabicPeriod"/>
+            </a:pPr>
+            <a:r>
+              <a:rPr lang="en-US" dirty="0">
+                <a:solidFill>
+                  <a:schemeClr val="tx1">
+                    <a:lumMod val="65000"/>
+                    <a:lumOff val="35000"/>
+                  </a:schemeClr>
+                </a:solidFill>
+              </a:rPr>
+              <a:t>Joining </a:t>
+            </a:r>
+          </a:p>
+        </p:txBody>
+      </p:sp>
+      <p:pic>
+        <p:nvPicPr>
+          <p:cNvPr id="1026" name="Picture 2" descr="ERD of product and schedule objects">
+            <a:extLst>
+              <a:ext uri="{FF2B5EF4-FFF2-40B4-BE49-F238E27FC236}">
+                <a16:creationId xmlns:a16="http://schemas.microsoft.com/office/drawing/2014/main" id="{87BF0AE1-61D9-45B8-A711-404F5362A903}"/>
+              </a:ext>
+            </a:extLst>
+          </p:cNvPr>
+          <p:cNvPicPr>
+            <a:picLocks noChangeAspect="1" noChangeArrowheads="1"/>
+          </p:cNvPicPr>
+          <p:nvPr/>
+        </p:nvPicPr>
+        <p:blipFill>
+          <a:blip r:embed="rId3">
+            <a:extLst>
+              <a:ext uri="{28A0092B-C50C-407E-A947-70E740481C1C}">
+                <a14:useLocalDpi xmlns:a14="http://schemas.microsoft.com/office/drawing/2010/main" val="0"/>
+              </a:ext>
+            </a:extLst>
+          </a:blip>
+          <a:srcRect/>
+          <a:stretch>
+            <a:fillRect/>
+          </a:stretch>
+        </p:blipFill>
+        <p:spPr bwMode="auto">
+          <a:xfrm>
+            <a:off x="3899999" y="238139"/>
+            <a:ext cx="8038956" cy="6290430"/>
+          </a:xfrm>
+          <a:prstGeom prst="rect">
+            <a:avLst/>
+          </a:prstGeom>
+          <a:noFill/>
+          <a:extLst>
+            <a:ext uri="{909E8E84-426E-40DD-AFC4-6F175D3DCCD1}">
+              <a14:hiddenFill xmlns:a14="http://schemas.microsoft.com/office/drawing/2010/main">
+                <a:solidFill>
+                  <a:srgbClr val="FFFFFF"/>
+                </a:solidFill>
+              </a14:hiddenFill>
+            </a:ext>
+          </a:extLst>
+        </p:spPr>
+      </p:pic>
+      <p:sp>
+        <p:nvSpPr>
+          <p:cNvPr id="4" name="Rectangle 3">
+            <a:extLst>
+              <a:ext uri="{FF2B5EF4-FFF2-40B4-BE49-F238E27FC236}">
+                <a16:creationId xmlns:a16="http://schemas.microsoft.com/office/drawing/2014/main" id="{019443BD-B4CE-4AFC-B1D1-C07FCCBED1F7}"/>
+              </a:ext>
+            </a:extLst>
+          </p:cNvPr>
+          <p:cNvSpPr/>
+          <p:nvPr/>
+        </p:nvSpPr>
+        <p:spPr>
+          <a:xfrm>
+            <a:off x="6615546" y="6295844"/>
+            <a:ext cx="6037118" cy="261610"/>
+          </a:xfrm>
+          <a:prstGeom prst="rect">
+            <a:avLst/>
+          </a:prstGeom>
+        </p:spPr>
+        <p:txBody>
+          <a:bodyPr wrap="square">
+            <a:spAutoFit/>
+          </a:bodyPr>
+          <a:lstStyle/>
+          <a:p>
+            <a:r>
+              <a:rPr lang="en-US" sz="1100" dirty="0">
+                <a:solidFill>
+                  <a:schemeClr val="tx1">
+                    <a:lumMod val="50000"/>
+                    <a:lumOff val="50000"/>
+                  </a:schemeClr>
+                </a:solidFill>
+              </a:rPr>
+              <a:t>https://developer.salesforce.com/docs/atlas.en-us.api.meta/api/sforce_api_erd_products.htm</a:t>
+            </a:r>
+          </a:p>
+        </p:txBody>
+      </p:sp>
+      <p:sp>
+        <p:nvSpPr>
+          <p:cNvPr id="5" name="Flowchart: Process 4">
+            <a:hlinkClick r:id="rId4"/>
+            <a:extLst>
+              <a:ext uri="{FF2B5EF4-FFF2-40B4-BE49-F238E27FC236}">
+                <a16:creationId xmlns:a16="http://schemas.microsoft.com/office/drawing/2014/main" id="{2A1C9A82-8F60-4893-889D-D920817DD4B2}"/>
+              </a:ext>
+            </a:extLst>
+          </p:cNvPr>
+          <p:cNvSpPr/>
+          <p:nvPr/>
+        </p:nvSpPr>
+        <p:spPr>
+          <a:xfrm>
+            <a:off x="6677890" y="6295843"/>
+            <a:ext cx="5604163" cy="261611"/>
+          </a:xfrm>
+          <a:prstGeom prst="flowChartProcess">
+            <a:avLst/>
+          </a:prstGeom>
+          <a:noFill/>
+          <a:ln>
+            <a:noFill/>
+          </a:ln>
+        </p:spPr>
+        <p:style>
+          <a:lnRef idx="2">
+            <a:schemeClr val="accent1">
+              <a:shade val="50000"/>
+            </a:schemeClr>
+          </a:lnRef>
+          <a:fillRef idx="1">
+            <a:schemeClr val="accent1"/>
+          </a:fillRef>
+          <a:effectRef idx="0">
+            <a:schemeClr val="accent1"/>
+          </a:effectRef>
+          <a:fontRef idx="minor">
+            <a:schemeClr val="lt1"/>
+          </a:fontRef>
+        </p:style>
+        <p:txBody>
+          <a:bodyPr rtlCol="0" anchor="ctr"/>
+          <a:lstStyle/>
+          <a:p>
+            <a:pPr algn="ctr"/>
+            <a:endParaRPr lang="en-US" dirty="0"/>
+          </a:p>
+        </p:txBody>
+      </p:sp>
+      <p:pic>
+        <p:nvPicPr>
+          <p:cNvPr id="6" name="Picture 5">
+            <a:extLst>
+              <a:ext uri="{FF2B5EF4-FFF2-40B4-BE49-F238E27FC236}">
+                <a16:creationId xmlns:a16="http://schemas.microsoft.com/office/drawing/2014/main" id="{6A228AE4-1359-4884-85FB-E6961065EBA4}"/>
+              </a:ext>
+            </a:extLst>
+          </p:cNvPr>
+          <p:cNvPicPr>
+            <a:picLocks noChangeAspect="1"/>
+          </p:cNvPicPr>
+          <p:nvPr/>
+        </p:nvPicPr>
+        <p:blipFill>
+          <a:blip r:embed="rId5"/>
+          <a:stretch>
+            <a:fillRect/>
+          </a:stretch>
+        </p:blipFill>
+        <p:spPr>
+          <a:xfrm>
+            <a:off x="349798" y="6019849"/>
+            <a:ext cx="2793225" cy="334924"/>
+          </a:xfrm>
+          <a:prstGeom prst="rect">
+            <a:avLst/>
+          </a:prstGeom>
+        </p:spPr>
+      </p:pic>
+      <p:sp>
+        <p:nvSpPr>
+          <p:cNvPr id="7" name="TextBox 6">
+            <a:extLst>
+              <a:ext uri="{FF2B5EF4-FFF2-40B4-BE49-F238E27FC236}">
+                <a16:creationId xmlns:a16="http://schemas.microsoft.com/office/drawing/2014/main" id="{49D022F0-FA8E-4E48-B286-63C059832EE0}"/>
+              </a:ext>
+            </a:extLst>
+          </p:cNvPr>
+          <p:cNvSpPr txBox="1"/>
+          <p:nvPr/>
+        </p:nvSpPr>
+        <p:spPr>
+          <a:xfrm>
+            <a:off x="1988126" y="5520162"/>
+            <a:ext cx="637309" cy="369332"/>
+          </a:xfrm>
+          <a:prstGeom prst="rect">
+            <a:avLst/>
+          </a:prstGeom>
+          <a:noFill/>
+        </p:spPr>
+        <p:txBody>
+          <a:bodyPr wrap="square" rtlCol="0">
+            <a:spAutoFit/>
+          </a:bodyPr>
+          <a:lstStyle/>
+          <a:p>
+            <a:r>
+              <a:rPr lang="en-US" b="1" dirty="0"/>
+              <a:t>1</a:t>
+            </a:r>
+          </a:p>
+        </p:txBody>
+      </p:sp>
+      <p:sp>
+        <p:nvSpPr>
+          <p:cNvPr id="9" name="TextBox 8">
+            <a:extLst>
+              <a:ext uri="{FF2B5EF4-FFF2-40B4-BE49-F238E27FC236}">
+                <a16:creationId xmlns:a16="http://schemas.microsoft.com/office/drawing/2014/main" id="{7B5F8646-BDAE-4823-A114-36713DBE378F}"/>
+              </a:ext>
+            </a:extLst>
+          </p:cNvPr>
+          <p:cNvSpPr txBox="1"/>
+          <p:nvPr/>
+        </p:nvSpPr>
+        <p:spPr>
+          <a:xfrm>
+            <a:off x="538683" y="5520162"/>
+            <a:ext cx="637309" cy="369332"/>
+          </a:xfrm>
+          <a:prstGeom prst="rect">
+            <a:avLst/>
+          </a:prstGeom>
+          <a:noFill/>
+        </p:spPr>
+        <p:txBody>
+          <a:bodyPr wrap="square" rtlCol="0">
+            <a:spAutoFit/>
+          </a:bodyPr>
+          <a:lstStyle/>
+          <a:p>
+            <a:r>
+              <a:rPr lang="en-US" b="1" dirty="0"/>
+              <a:t>2</a:t>
+            </a:r>
+          </a:p>
+        </p:txBody>
+      </p:sp>
+      <p:sp>
+        <p:nvSpPr>
+          <p:cNvPr id="10" name="Rectangle 9">
+            <a:extLst>
+              <a:ext uri="{FF2B5EF4-FFF2-40B4-BE49-F238E27FC236}">
+                <a16:creationId xmlns:a16="http://schemas.microsoft.com/office/drawing/2014/main" id="{759253E8-F0BD-4DC0-B911-9CFED266A133}"/>
+              </a:ext>
+            </a:extLst>
+          </p:cNvPr>
+          <p:cNvSpPr/>
+          <p:nvPr/>
+        </p:nvSpPr>
+        <p:spPr>
+          <a:xfrm>
+            <a:off x="6615546" y="6596390"/>
+            <a:ext cx="6099462" cy="261610"/>
+          </a:xfrm>
+          <a:prstGeom prst="rect">
+            <a:avLst/>
+          </a:prstGeom>
+        </p:spPr>
+        <p:txBody>
+          <a:bodyPr wrap="square">
+            <a:spAutoFit/>
+          </a:bodyPr>
+          <a:lstStyle/>
+          <a:p>
+            <a:r>
+              <a:rPr lang="en-US" sz="1100" dirty="0">
+                <a:solidFill>
+                  <a:schemeClr val="tx1">
+                    <a:lumMod val="50000"/>
+                    <a:lumOff val="50000"/>
+                  </a:schemeClr>
+                </a:solidFill>
+              </a:rPr>
+              <a:t>https://resources.docs.salesforce.com/212/latest/en-us/sfdc/pdf/apex_api.pdf</a:t>
+            </a:r>
+          </a:p>
+        </p:txBody>
+      </p:sp>
+      <p:sp>
+        <p:nvSpPr>
+          <p:cNvPr id="11" name="Flowchart: Process 10">
+            <a:hlinkClick r:id="rId6"/>
+            <a:extLst>
+              <a:ext uri="{FF2B5EF4-FFF2-40B4-BE49-F238E27FC236}">
+                <a16:creationId xmlns:a16="http://schemas.microsoft.com/office/drawing/2014/main" id="{D81660D3-9FA0-4BEE-A807-8C29BE855E9C}"/>
+              </a:ext>
+            </a:extLst>
+          </p:cNvPr>
+          <p:cNvSpPr/>
+          <p:nvPr/>
+        </p:nvSpPr>
+        <p:spPr>
+          <a:xfrm>
+            <a:off x="6615546" y="6590275"/>
+            <a:ext cx="5604163" cy="261611"/>
+          </a:xfrm>
+          <a:prstGeom prst="flowChartProcess">
+            <a:avLst/>
+          </a:prstGeom>
+          <a:noFill/>
+          <a:ln>
+            <a:noFill/>
+          </a:ln>
+        </p:spPr>
+        <p:style>
+          <a:lnRef idx="2">
+            <a:schemeClr val="accent1">
+              <a:shade val="50000"/>
+            </a:schemeClr>
+          </a:lnRef>
+          <a:fillRef idx="1">
+            <a:schemeClr val="accent1"/>
+          </a:fillRef>
+          <a:effectRef idx="0">
+            <a:schemeClr val="accent1"/>
+          </a:effectRef>
+          <a:fontRef idx="minor">
+            <a:schemeClr val="lt1"/>
+          </a:fontRef>
+        </p:style>
+        <p:txBody>
+          <a:bodyPr rtlCol="0" anchor="ctr"/>
+          <a:lstStyle/>
+          <a:p>
+            <a:pPr algn="ctr"/>
+            <a:endParaRPr lang="en-US" dirty="0"/>
+          </a:p>
+        </p:txBody>
+      </p:sp>
+      <p:sp>
+        <p:nvSpPr>
+          <p:cNvPr id="8" name="Arrow: Right 7">
+            <a:extLst>
+              <a:ext uri="{FF2B5EF4-FFF2-40B4-BE49-F238E27FC236}">
+                <a16:creationId xmlns:a16="http://schemas.microsoft.com/office/drawing/2014/main" id="{474939DB-FCEE-4951-A173-70B9DD1BFAFA}"/>
+              </a:ext>
+            </a:extLst>
+          </p:cNvPr>
+          <p:cNvSpPr/>
+          <p:nvPr/>
+        </p:nvSpPr>
+        <p:spPr>
+          <a:xfrm rot="5400000">
+            <a:off x="575700" y="5852258"/>
+            <a:ext cx="207819" cy="127364"/>
+          </a:xfrm>
+          <a:prstGeom prst="rightArrow">
+            <a:avLst/>
+          </a:prstGeom>
+        </p:spPr>
+        <p:style>
+          <a:lnRef idx="2">
+            <a:schemeClr val="accent3">
+              <a:shade val="50000"/>
+            </a:schemeClr>
+          </a:lnRef>
+          <a:fillRef idx="1">
+            <a:schemeClr val="accent3"/>
+          </a:fillRef>
+          <a:effectRef idx="0">
+            <a:schemeClr val="accent3"/>
+          </a:effectRef>
+          <a:fontRef idx="minor">
+            <a:schemeClr val="lt1"/>
+          </a:fontRef>
+        </p:style>
+        <p:txBody>
+          <a:bodyPr rtlCol="0" anchor="ctr"/>
+          <a:lstStyle/>
+          <a:p>
+            <a:pPr algn="ctr"/>
+            <a:endParaRPr lang="en-US" dirty="0"/>
+          </a:p>
+        </p:txBody>
+      </p:sp>
+      <p:sp>
+        <p:nvSpPr>
+          <p:cNvPr id="13" name="Arrow: Right 12">
+            <a:extLst>
+              <a:ext uri="{FF2B5EF4-FFF2-40B4-BE49-F238E27FC236}">
+                <a16:creationId xmlns:a16="http://schemas.microsoft.com/office/drawing/2014/main" id="{577BC5F6-8680-4CD4-877E-4CA86CF56EA0}"/>
+              </a:ext>
+            </a:extLst>
+          </p:cNvPr>
+          <p:cNvSpPr/>
+          <p:nvPr/>
+        </p:nvSpPr>
+        <p:spPr>
+          <a:xfrm rot="5400000">
+            <a:off x="2034981" y="5852258"/>
+            <a:ext cx="207819" cy="127364"/>
+          </a:xfrm>
+          <a:prstGeom prst="rightArrow">
+            <a:avLst/>
+          </a:prstGeom>
+        </p:spPr>
+        <p:style>
+          <a:lnRef idx="2">
+            <a:schemeClr val="accent3">
+              <a:shade val="50000"/>
+            </a:schemeClr>
+          </a:lnRef>
+          <a:fillRef idx="1">
+            <a:schemeClr val="accent3"/>
+          </a:fillRef>
+          <a:effectRef idx="0">
+            <a:schemeClr val="accent3"/>
+          </a:effectRef>
+          <a:fontRef idx="minor">
+            <a:schemeClr val="lt1"/>
+          </a:fontRef>
+        </p:style>
+        <p:txBody>
+          <a:bodyPr rtlCol="0" anchor="ctr"/>
+          <a:lstStyle/>
+          <a:p>
+            <a:pPr algn="ctr"/>
+            <a:endParaRPr lang="en-US" dirty="0"/>
+          </a:p>
+        </p:txBody>
+      </p:sp>
+    </p:spTree>
+    <p:extLst>
+      <p:ext uri="{BB962C8B-B14F-4D97-AF65-F5344CB8AC3E}">
+        <p14:creationId xmlns:p14="http://schemas.microsoft.com/office/powerpoint/2010/main" val="257962793"/>
+      </p:ext>
+    </p:extLst>
+  </p:cSld>
+  <p:clrMapOvr>
+    <a:masterClrMapping/>
+  </p:clrMapOvr>
+  <p:timing>
+    <p:tnLst>
+      <p:par>
+        <p:cTn id="1" dur="indefinite" restart="never" nodeType="tmRoot">
+          <p:childTnLst>
+            <p:seq concurrent="1" nextAc="seek">
+              <p:cTn id="2" dur="indefinite" nodeType="mainSeq">
+                <p:childTnLst>
+                  <p:par>
+                    <p:cTn id="3" fill="hold">
+                      <p:stCondLst>
+                        <p:cond delay="indefinite"/>
+                      </p:stCondLst>
+                      <p:childTnLst>
+                        <p:par>
+                          <p:cTn id="4" fill="hold">
+                            <p:stCondLst>
+                              <p:cond delay="0"/>
+                            </p:stCondLst>
+                            <p:childTnLst>
+                              <p:par>
+                                <p:cTn id="5" presetID="1" presetClass="entr" presetSubtype="0" fill="hold" grpId="0" nodeType="clickEffect">
+                                  <p:stCondLst>
+                                    <p:cond delay="0"/>
+                                  </p:stCondLst>
+                                  <p:childTnLst>
+                                    <p:set>
+                                      <p:cBhvr>
+                                        <p:cTn id="6" dur="1" fill="hold">
+                                          <p:stCondLst>
+                                            <p:cond delay="0"/>
+                                          </p:stCondLst>
+                                        </p:cTn>
+                                        <p:tgtEl>
+                                          <p:spTgt spid="3">
+                                            <p:txEl>
+                                              <p:pRg st="0" end="0"/>
+                                            </p:txEl>
+                                          </p:spTgt>
+                                        </p:tgtEl>
+                                        <p:attrNameLst>
+                                          <p:attrName>style.visibility</p:attrName>
+                                        </p:attrNameLst>
+                                      </p:cBhvr>
+                                      <p:to>
+                                        <p:strVal val="visible"/>
+                                      </p:to>
+                                    </p:set>
+                                  </p:childTnLst>
+                                </p:cTn>
+                              </p:par>
+                              <p:par>
+                                <p:cTn id="7" presetID="1" presetClass="entr" presetSubtype="0" fill="hold" grpId="0" nodeType="withEffect">
+                                  <p:stCondLst>
+                                    <p:cond delay="0"/>
+                                  </p:stCondLst>
+                                  <p:childTnLst>
+                                    <p:set>
+                                      <p:cBhvr>
+                                        <p:cTn id="8" dur="1" fill="hold">
+                                          <p:stCondLst>
+                                            <p:cond delay="0"/>
+                                          </p:stCondLst>
+                                        </p:cTn>
+                                        <p:tgtEl>
+                                          <p:spTgt spid="3">
+                                            <p:txEl>
+                                              <p:pRg st="1" end="1"/>
+                                            </p:txEl>
+                                          </p:spTgt>
+                                        </p:tgtEl>
+                                        <p:attrNameLst>
+                                          <p:attrName>style.visibility</p:attrName>
+                                        </p:attrNameLst>
+                                      </p:cBhvr>
+                                      <p:to>
+                                        <p:strVal val="visible"/>
+                                      </p:to>
+                                    </p:set>
+                                  </p:childTnLst>
+                                </p:cTn>
+                              </p:par>
+                              <p:par>
+                                <p:cTn id="9" presetID="1" presetClass="entr" presetSubtype="0" fill="hold" grpId="0" nodeType="withEffect">
+                                  <p:stCondLst>
+                                    <p:cond delay="0"/>
+                                  </p:stCondLst>
+                                  <p:childTnLst>
+                                    <p:set>
+                                      <p:cBhvr>
+                                        <p:cTn id="10" dur="1" fill="hold">
+                                          <p:stCondLst>
+                                            <p:cond delay="0"/>
+                                          </p:stCondLst>
+                                        </p:cTn>
+                                        <p:tgtEl>
+                                          <p:spTgt spid="3">
+                                            <p:txEl>
+                                              <p:pRg st="2" end="2"/>
+                                            </p:txEl>
+                                          </p:spTgt>
+                                        </p:tgtEl>
+                                        <p:attrNameLst>
+                                          <p:attrName>style.visibility</p:attrName>
+                                        </p:attrNameLst>
+                                      </p:cBhvr>
+                                      <p:to>
+                                        <p:strVal val="visible"/>
+                                      </p:to>
+                                    </p:set>
+                                  </p:childTnLst>
+                                </p:cTn>
+                              </p:par>
+                            </p:childTnLst>
+                          </p:cTn>
+                        </p:par>
+                      </p:childTnLst>
+                    </p:cTn>
+                  </p:par>
+                  <p:par>
+                    <p:cTn id="11" fill="hold">
+                      <p:stCondLst>
+                        <p:cond delay="indefinite"/>
+                      </p:stCondLst>
+                      <p:childTnLst>
+                        <p:par>
+                          <p:cTn id="12" fill="hold">
+                            <p:stCondLst>
+                              <p:cond delay="0"/>
+                            </p:stCondLst>
+                            <p:childTnLst>
+                              <p:par>
+                                <p:cTn id="13" presetID="1" presetClass="entr" presetSubtype="0" fill="hold" nodeType="clickEffect">
+                                  <p:stCondLst>
+                                    <p:cond delay="0"/>
+                                  </p:stCondLst>
+                                  <p:childTnLst>
+                                    <p:set>
+                                      <p:cBhvr>
+                                        <p:cTn id="14" dur="1" fill="hold">
+                                          <p:stCondLst>
+                                            <p:cond delay="0"/>
+                                          </p:stCondLst>
+                                        </p:cTn>
+                                        <p:tgtEl>
+                                          <p:spTgt spid="6"/>
+                                        </p:tgtEl>
+                                        <p:attrNameLst>
+                                          <p:attrName>style.visibility</p:attrName>
+                                        </p:attrNameLst>
+                                      </p:cBhvr>
+                                      <p:to>
+                                        <p:strVal val="visible"/>
+                                      </p:to>
+                                    </p:set>
+                                  </p:childTnLst>
+                                </p:cTn>
+                              </p:par>
+                            </p:childTnLst>
+                          </p:cTn>
+                        </p:par>
+                      </p:childTnLst>
+                    </p:cTn>
+                  </p:par>
+                  <p:par>
+                    <p:cTn id="15" fill="hold">
+                      <p:stCondLst>
+                        <p:cond delay="indefinite"/>
+                      </p:stCondLst>
+                      <p:childTnLst>
+                        <p:par>
+                          <p:cTn id="16" fill="hold">
+                            <p:stCondLst>
+                              <p:cond delay="0"/>
+                            </p:stCondLst>
+                            <p:childTnLst>
+                              <p:par>
+                                <p:cTn id="17" presetID="1" presetClass="entr" presetSubtype="0" fill="hold" grpId="0" nodeType="clickEffect">
+                                  <p:stCondLst>
+                                    <p:cond delay="0"/>
+                                  </p:stCondLst>
+                                  <p:childTnLst>
+                                    <p:set>
+                                      <p:cBhvr>
+                                        <p:cTn id="18" dur="1" fill="hold">
+                                          <p:stCondLst>
+                                            <p:cond delay="0"/>
+                                          </p:stCondLst>
+                                        </p:cTn>
+                                        <p:tgtEl>
+                                          <p:spTgt spid="9"/>
+                                        </p:tgtEl>
+                                        <p:attrNameLst>
+                                          <p:attrName>style.visibility</p:attrName>
+                                        </p:attrNameLst>
+                                      </p:cBhvr>
+                                      <p:to>
+                                        <p:strVal val="visible"/>
+                                      </p:to>
+                                    </p:set>
+                                  </p:childTnLst>
+                                </p:cTn>
+                              </p:par>
+                              <p:par>
+                                <p:cTn id="19" presetID="1" presetClass="entr" presetSubtype="0" fill="hold" grpId="0" nodeType="withEffect">
+                                  <p:stCondLst>
+                                    <p:cond delay="0"/>
+                                  </p:stCondLst>
+                                  <p:childTnLst>
+                                    <p:set>
+                                      <p:cBhvr>
+                                        <p:cTn id="20" dur="1" fill="hold">
+                                          <p:stCondLst>
+                                            <p:cond delay="0"/>
+                                          </p:stCondLst>
+                                        </p:cTn>
+                                        <p:tgtEl>
+                                          <p:spTgt spid="7"/>
+                                        </p:tgtEl>
+                                        <p:attrNameLst>
+                                          <p:attrName>style.visibility</p:attrName>
+                                        </p:attrNameLst>
+                                      </p:cBhvr>
+                                      <p:to>
+                                        <p:strVal val="visible"/>
+                                      </p:to>
+                                    </p:set>
+                                  </p:childTnLst>
+                                </p:cTn>
+                              </p:par>
+                              <p:par>
+                                <p:cTn id="21" presetID="1" presetClass="entr" presetSubtype="0" fill="hold" grpId="0" nodeType="withEffect">
+                                  <p:stCondLst>
+                                    <p:cond delay="0"/>
+                                  </p:stCondLst>
+                                  <p:childTnLst>
+                                    <p:set>
+                                      <p:cBhvr>
+                                        <p:cTn id="22" dur="1" fill="hold">
+                                          <p:stCondLst>
+                                            <p:cond delay="0"/>
+                                          </p:stCondLst>
+                                        </p:cTn>
+                                        <p:tgtEl>
+                                          <p:spTgt spid="13"/>
+                                        </p:tgtEl>
+                                        <p:attrNameLst>
+                                          <p:attrName>style.visibility</p:attrName>
+                                        </p:attrNameLst>
+                                      </p:cBhvr>
+                                      <p:to>
+                                        <p:strVal val="visible"/>
+                                      </p:to>
+                                    </p:set>
+                                  </p:childTnLst>
+                                </p:cTn>
+                              </p:par>
+                              <p:par>
+                                <p:cTn id="23" presetID="1" presetClass="entr" presetSubtype="0" fill="hold" grpId="0" nodeType="withEffect">
+                                  <p:stCondLst>
+                                    <p:cond delay="0"/>
+                                  </p:stCondLst>
+                                  <p:childTnLst>
+                                    <p:set>
+                                      <p:cBhvr>
+                                        <p:cTn id="24" dur="1" fill="hold">
+                                          <p:stCondLst>
+                                            <p:cond delay="0"/>
+                                          </p:stCondLst>
+                                        </p:cTn>
+                                        <p:tgtEl>
+                                          <p:spTgt spid="8"/>
+                                        </p:tgtEl>
+                                        <p:attrNameLst>
+                                          <p:attrName>style.visibility</p:attrName>
+                                        </p:attrNameLst>
+                                      </p:cBhvr>
+                                      <p:to>
+                                        <p:strVal val="visible"/>
+                                      </p:to>
+                                    </p:set>
+                                  </p:childTnLst>
+                                </p:cTn>
+                              </p:par>
+                            </p:childTnLst>
+                          </p:cTn>
+                        </p:par>
+                      </p:childTnLst>
+                    </p:cTn>
+                  </p:par>
+                </p:childTnLst>
+              </p:cTn>
+              <p:prevCondLst>
+                <p:cond evt="onPrev" delay="0">
+                  <p:tgtEl>
+                    <p:sldTgt/>
+                  </p:tgtEl>
+                </p:cond>
+              </p:prevCondLst>
+              <p:nextCondLst>
+                <p:cond evt="onNext" delay="0">
+                  <p:tgtEl>
+                    <p:sldTgt/>
+                  </p:tgtEl>
+                </p:cond>
+              </p:nextCondLst>
+            </p:seq>
+          </p:childTnLst>
+        </p:cTn>
+      </p:par>
+    </p:tnLst>
+    <p:bldLst>
+      <p:bldP spid="3" grpId="0" uiExpand="1" build="p"/>
+      <p:bldP spid="7" grpId="0"/>
+      <p:bldP spid="9" grpId="0"/>
+      <p:bldP spid="8" grpId="0" animBg="1"/>
+      <p:bldP spid="13" grpId="0" animBg="1"/>
+    </p:bldLst>
+  </p:timing>
+</p:sld>
+</file>
+
+<file path=ppt/slides/slide11.xml><?xml version="1.0" encoding="utf-8"?>
 <p:sld xmlns:a="http://schemas.openxmlformats.org/drawingml/2006/main" xmlns:r="http://schemas.openxmlformats.org/officeDocument/2006/relationships" xmlns:p="http://schemas.openxmlformats.org/presentationml/2006/main">
   <p:cSld>
     <p:spTree>
@@ -6273,7 +7243,7 @@
 </p:sld>
 </file>
 
-<file path=ppt/slides/slide11.xml><?xml version="1.0" encoding="utf-8"?>
+<file path=ppt/slides/slide12.xml><?xml version="1.0" encoding="utf-8"?>
 <p:sld xmlns:a="http://schemas.openxmlformats.org/drawingml/2006/main" xmlns:r="http://schemas.openxmlformats.org/officeDocument/2006/relationships" xmlns:p="http://schemas.openxmlformats.org/presentationml/2006/main">
   <p:cSld>
     <p:spTree>
@@ -6647,7 +7617,7 @@
 </p:sld>
 </file>
 
-<file path=ppt/slides/slide12.xml><?xml version="1.0" encoding="utf-8"?>
+<file path=ppt/slides/slide13.xml><?xml version="1.0" encoding="utf-8"?>
 <p:sld xmlns:a="http://schemas.openxmlformats.org/drawingml/2006/main" xmlns:r="http://schemas.openxmlformats.org/officeDocument/2006/relationships" xmlns:p="http://schemas.openxmlformats.org/presentationml/2006/main">
   <p:cSld>
     <p:spTree>
@@ -7021,8 +7991,8 @@
 </p:sld>
 </file>
 
-<file path=ppt/slides/slide13.xml><?xml version="1.0" encoding="utf-8"?>
-<p:sld xmlns:a="http://schemas.openxmlformats.org/drawingml/2006/main" xmlns:r="http://schemas.openxmlformats.org/officeDocument/2006/relationships" xmlns:p="http://schemas.openxmlformats.org/presentationml/2006/main">
+<file path=ppt/slides/slide14.xml><?xml version="1.0" encoding="utf-8"?>
+<p:sld xmlns:a="http://schemas.openxmlformats.org/drawingml/2006/main" xmlns:r="http://schemas.openxmlformats.org/officeDocument/2006/relationships" xmlns:p="http://schemas.openxmlformats.org/presentationml/2006/main" show="0">
   <p:cSld>
     <p:spTree>
       <p:nvGrpSpPr>
@@ -8431,7 +9401,7 @@
           <a:p>
             <a:r>
               <a:rPr lang="en-US" b="1" dirty="0"/>
-              <a:t>Analysis: </a:t>
+              <a:t>Combining: </a:t>
             </a:r>
             <a:r>
               <a:rPr lang="en-US" dirty="0">
@@ -8441,7 +9411,7 @@
                   </a:schemeClr>
                 </a:solidFill>
               </a:rPr>
-              <a:t>Exploratory Data Analysis</a:t>
+              <a:t>Joining &amp; Binding</a:t>
             </a:r>
           </a:p>
         </p:txBody>
@@ -9638,6 +10608,60 @@
           </a:p>
         </p:txBody>
       </p:sp>
+      <p:sp>
+        <p:nvSpPr>
+          <p:cNvPr id="6" name="Rectangle 5">
+            <a:extLst>
+              <a:ext uri="{FF2B5EF4-FFF2-40B4-BE49-F238E27FC236}">
+                <a16:creationId xmlns:a16="http://schemas.microsoft.com/office/drawing/2014/main" id="{CDE8AC91-09F7-463A-8FF5-AF8EB085D38E}"/>
+              </a:ext>
+            </a:extLst>
+          </p:cNvPr>
+          <p:cNvSpPr/>
+          <p:nvPr/>
+        </p:nvSpPr>
+        <p:spPr>
+          <a:xfrm>
+            <a:off x="7780815" y="3545404"/>
+            <a:ext cx="768545" cy="2092461"/>
+          </a:xfrm>
+          <a:prstGeom prst="rect">
+            <a:avLst/>
+          </a:prstGeom>
+          <a:solidFill>
+            <a:schemeClr val="bg1"/>
+          </a:solidFill>
+          <a:ln>
+            <a:solidFill>
+              <a:schemeClr val="bg1"/>
+            </a:solidFill>
+          </a:ln>
+        </p:spPr>
+        <p:style>
+          <a:lnRef idx="2">
+            <a:schemeClr val="accent1">
+              <a:shade val="50000"/>
+            </a:schemeClr>
+          </a:lnRef>
+          <a:fillRef idx="1">
+            <a:schemeClr val="accent1"/>
+          </a:fillRef>
+          <a:effectRef idx="0">
+            <a:schemeClr val="accent1"/>
+          </a:effectRef>
+          <a:fontRef idx="minor">
+            <a:schemeClr val="lt1"/>
+          </a:fontRef>
+        </p:style>
+        <p:txBody>
+          <a:bodyPr rtlCol="0" anchor="ctr"/>
+          <a:lstStyle/>
+          <a:p>
+            <a:pPr algn="ctr"/>
+            <a:endParaRPr lang="en-US" dirty="0"/>
+          </a:p>
+        </p:txBody>
+      </p:sp>
     </p:spTree>
     <p:extLst>
       <p:ext uri="{BB962C8B-B14F-4D97-AF65-F5344CB8AC3E}">
@@ -9785,7 +10809,7 @@
 </file>
 
 <file path=ppt/slides/slide5.xml><?xml version="1.0" encoding="utf-8"?>
-<p:sld xmlns:a="http://schemas.openxmlformats.org/drawingml/2006/main" xmlns:r="http://schemas.openxmlformats.org/officeDocument/2006/relationships" xmlns:p="http://schemas.openxmlformats.org/presentationml/2006/main">
+<p:sld xmlns:a="http://schemas.openxmlformats.org/drawingml/2006/main" xmlns:r="http://schemas.openxmlformats.org/officeDocument/2006/relationships" xmlns:p="http://schemas.openxmlformats.org/presentationml/2006/main" show="0">
   <p:cSld>
     <p:spTree>
       <p:nvGrpSpPr>
@@ -10449,6 +11473,557 @@
           <a:chExt cx="0" cy="0"/>
         </a:xfrm>
       </p:grpSpPr>
+      <p:pic>
+        <p:nvPicPr>
+          <p:cNvPr id="11" name="Picture 10">
+            <a:extLst>
+              <a:ext uri="{FF2B5EF4-FFF2-40B4-BE49-F238E27FC236}">
+                <a16:creationId xmlns:a16="http://schemas.microsoft.com/office/drawing/2014/main" id="{0BA55E63-538A-4747-A354-45900272402E}"/>
+              </a:ext>
+            </a:extLst>
+          </p:cNvPr>
+          <p:cNvPicPr>
+            <a:picLocks noChangeAspect="1"/>
+          </p:cNvPicPr>
+          <p:nvPr/>
+        </p:nvPicPr>
+        <p:blipFill>
+          <a:blip r:embed="rId3">
+            <a:duotone>
+              <a:schemeClr val="accent2">
+                <a:shade val="45000"/>
+                <a:satMod val="135000"/>
+              </a:schemeClr>
+              <a:prstClr val="white"/>
+            </a:duotone>
+          </a:blip>
+          <a:stretch>
+            <a:fillRect/>
+          </a:stretch>
+        </p:blipFill>
+        <p:spPr>
+          <a:xfrm>
+            <a:off x="3516204" y="2994168"/>
+            <a:ext cx="1378887" cy="1329388"/>
+          </a:xfrm>
+          <a:prstGeom prst="rect">
+            <a:avLst/>
+          </a:prstGeom>
+        </p:spPr>
+      </p:pic>
+      <p:pic>
+        <p:nvPicPr>
+          <p:cNvPr id="12" name="Picture 11">
+            <a:extLst>
+              <a:ext uri="{FF2B5EF4-FFF2-40B4-BE49-F238E27FC236}">
+                <a16:creationId xmlns:a16="http://schemas.microsoft.com/office/drawing/2014/main" id="{74EC974C-BEE8-40AA-9CB2-3115C97FA101}"/>
+              </a:ext>
+            </a:extLst>
+          </p:cNvPr>
+          <p:cNvPicPr>
+            <a:picLocks noChangeAspect="1"/>
+          </p:cNvPicPr>
+          <p:nvPr/>
+        </p:nvPicPr>
+        <p:blipFill>
+          <a:blip r:embed="rId4"/>
+          <a:stretch>
+            <a:fillRect/>
+          </a:stretch>
+        </p:blipFill>
+        <p:spPr>
+          <a:xfrm>
+            <a:off x="4268089" y="2564129"/>
+            <a:ext cx="1540497" cy="1489409"/>
+          </a:xfrm>
+          <a:prstGeom prst="rect">
+            <a:avLst/>
+          </a:prstGeom>
+        </p:spPr>
+      </p:pic>
+      <p:pic>
+        <p:nvPicPr>
+          <p:cNvPr id="15" name="Picture 14">
+            <a:extLst>
+              <a:ext uri="{FF2B5EF4-FFF2-40B4-BE49-F238E27FC236}">
+                <a16:creationId xmlns:a16="http://schemas.microsoft.com/office/drawing/2014/main" id="{2756FBD0-391C-41A3-BB0F-FE8CA825725E}"/>
+              </a:ext>
+            </a:extLst>
+          </p:cNvPr>
+          <p:cNvPicPr>
+            <a:picLocks noChangeAspect="1"/>
+          </p:cNvPicPr>
+          <p:nvPr/>
+        </p:nvPicPr>
+        <p:blipFill>
+          <a:blip r:embed="rId3">
+            <a:duotone>
+              <a:schemeClr val="accent6">
+                <a:shade val="45000"/>
+                <a:satMod val="135000"/>
+              </a:schemeClr>
+              <a:prstClr val="white"/>
+            </a:duotone>
+          </a:blip>
+          <a:stretch>
+            <a:fillRect/>
+          </a:stretch>
+        </p:blipFill>
+        <p:spPr>
+          <a:xfrm>
+            <a:off x="5458066" y="3626243"/>
+            <a:ext cx="1378887" cy="1329388"/>
+          </a:xfrm>
+          <a:prstGeom prst="rect">
+            <a:avLst/>
+          </a:prstGeom>
+        </p:spPr>
+      </p:pic>
+      <p:sp>
+        <p:nvSpPr>
+          <p:cNvPr id="5" name="Speech Bubble: Rectangle with Corners Rounded 4">
+            <a:extLst>
+              <a:ext uri="{FF2B5EF4-FFF2-40B4-BE49-F238E27FC236}">
+                <a16:creationId xmlns:a16="http://schemas.microsoft.com/office/drawing/2014/main" id="{748712EF-0B5E-4B07-8B9D-2D72141C2A95}"/>
+              </a:ext>
+            </a:extLst>
+          </p:cNvPr>
+          <p:cNvSpPr/>
+          <p:nvPr/>
+        </p:nvSpPr>
+        <p:spPr>
+          <a:xfrm>
+            <a:off x="3291830" y="143515"/>
+            <a:ext cx="3780771" cy="1482126"/>
+          </a:xfrm>
+          <a:prstGeom prst="wedgeRoundRectCallout">
+            <a:avLst>
+              <a:gd name="adj1" fmla="val -119307"/>
+              <a:gd name="adj2" fmla="val 40046"/>
+              <a:gd name="adj3" fmla="val 16667"/>
+            </a:avLst>
+          </a:prstGeom>
+          <a:solidFill>
+            <a:schemeClr val="bg1"/>
+          </a:solidFill>
+          <a:ln>
+            <a:solidFill>
+              <a:schemeClr val="bg1">
+                <a:lumMod val="75000"/>
+              </a:schemeClr>
+            </a:solidFill>
+          </a:ln>
+        </p:spPr>
+        <p:style>
+          <a:lnRef idx="2">
+            <a:schemeClr val="accent1">
+              <a:shade val="50000"/>
+            </a:schemeClr>
+          </a:lnRef>
+          <a:fillRef idx="1">
+            <a:schemeClr val="accent1"/>
+          </a:fillRef>
+          <a:effectRef idx="0">
+            <a:schemeClr val="accent1"/>
+          </a:effectRef>
+          <a:fontRef idx="minor">
+            <a:schemeClr val="lt1"/>
+          </a:fontRef>
+        </p:style>
+        <p:txBody>
+          <a:bodyPr rtlCol="0" anchor="ctr"/>
+          <a:lstStyle/>
+          <a:p>
+            <a:pPr algn="ctr"/>
+            <a:endParaRPr lang="en-US" dirty="0"/>
+          </a:p>
+        </p:txBody>
+      </p:sp>
+      <p:sp>
+        <p:nvSpPr>
+          <p:cNvPr id="2" name="Title 1">
+            <a:extLst>
+              <a:ext uri="{FF2B5EF4-FFF2-40B4-BE49-F238E27FC236}">
+                <a16:creationId xmlns:a16="http://schemas.microsoft.com/office/drawing/2014/main" id="{7A69AFC7-AC26-4691-B19B-5E98D075DEB4}"/>
+              </a:ext>
+            </a:extLst>
+          </p:cNvPr>
+          <p:cNvSpPr>
+            <a:spLocks noGrp="1"/>
+          </p:cNvSpPr>
+          <p:nvPr>
+            <p:ph type="title"/>
+          </p:nvPr>
+        </p:nvSpPr>
+        <p:spPr>
+          <a:xfrm>
+            <a:off x="3367700" y="229809"/>
+            <a:ext cx="3963652" cy="1381613"/>
+          </a:xfrm>
+        </p:spPr>
+        <p:txBody>
+          <a:bodyPr>
+            <a:noAutofit/>
+          </a:bodyPr>
+          <a:lstStyle/>
+          <a:p>
+            <a:r>
+              <a:rPr lang="en-US" sz="3300" b="1" dirty="0">
+                <a:solidFill>
+                  <a:schemeClr val="tx1">
+                    <a:lumMod val="95000"/>
+                    <a:lumOff val="5000"/>
+                  </a:schemeClr>
+                </a:solidFill>
+              </a:rPr>
+              <a:t>“</a:t>
+            </a:r>
+            <a:r>
+              <a:rPr lang="en-US" sz="3300" dirty="0">
+                <a:solidFill>
+                  <a:schemeClr val="tx1">
+                    <a:lumMod val="95000"/>
+                    <a:lumOff val="5000"/>
+                  </a:schemeClr>
+                </a:solidFill>
+              </a:rPr>
+              <a:t>Relational data isn’t written for humans</a:t>
+            </a:r>
+            <a:r>
+              <a:rPr lang="en-US" sz="3300" b="1" dirty="0">
+                <a:solidFill>
+                  <a:schemeClr val="tx1">
+                    <a:lumMod val="95000"/>
+                    <a:lumOff val="5000"/>
+                  </a:schemeClr>
+                </a:solidFill>
+              </a:rPr>
+              <a:t>.”</a:t>
+            </a:r>
+            <a:br>
+              <a:rPr lang="en-US" sz="3300" b="1" dirty="0">
+                <a:solidFill>
+                  <a:schemeClr val="tx1">
+                    <a:lumMod val="95000"/>
+                    <a:lumOff val="5000"/>
+                  </a:schemeClr>
+                </a:solidFill>
+              </a:rPr>
+            </a:br>
+            <a:r>
+              <a:rPr lang="en-US" sz="3300" dirty="0">
+                <a:solidFill>
+                  <a:schemeClr val="tx1">
+                    <a:lumMod val="95000"/>
+                    <a:lumOff val="5000"/>
+                  </a:schemeClr>
+                </a:solidFill>
+              </a:rPr>
+              <a:t>               </a:t>
+            </a:r>
+            <a:r>
+              <a:rPr lang="en-US" sz="3300" dirty="0">
+                <a:solidFill>
+                  <a:schemeClr val="tx1">
+                    <a:lumMod val="50000"/>
+                    <a:lumOff val="50000"/>
+                  </a:schemeClr>
+                </a:solidFill>
+              </a:rPr>
+              <a:t>-Developer-</a:t>
+            </a:r>
+          </a:p>
+        </p:txBody>
+      </p:sp>
+      <p:pic>
+        <p:nvPicPr>
+          <p:cNvPr id="10" name="Picture 9">
+            <a:extLst>
+              <a:ext uri="{FF2B5EF4-FFF2-40B4-BE49-F238E27FC236}">
+                <a16:creationId xmlns:a16="http://schemas.microsoft.com/office/drawing/2014/main" id="{C51558A5-B257-45D4-A86B-17F182E642DD}"/>
+              </a:ext>
+            </a:extLst>
+          </p:cNvPr>
+          <p:cNvPicPr>
+            <a:picLocks noChangeAspect="1"/>
+          </p:cNvPicPr>
+          <p:nvPr/>
+        </p:nvPicPr>
+        <p:blipFill>
+          <a:blip r:embed="rId3"/>
+          <a:stretch>
+            <a:fillRect/>
+          </a:stretch>
+        </p:blipFill>
+        <p:spPr>
+          <a:xfrm>
+            <a:off x="6417281" y="2868930"/>
+            <a:ext cx="1378887" cy="1329388"/>
+          </a:xfrm>
+          <a:prstGeom prst="rect">
+            <a:avLst/>
+          </a:prstGeom>
+        </p:spPr>
+      </p:pic>
+      <p:sp>
+        <p:nvSpPr>
+          <p:cNvPr id="13" name="TextBox 12">
+            <a:extLst>
+              <a:ext uri="{FF2B5EF4-FFF2-40B4-BE49-F238E27FC236}">
+                <a16:creationId xmlns:a16="http://schemas.microsoft.com/office/drawing/2014/main" id="{64B8AFB0-E3D4-46ED-9445-B504049BE58B}"/>
+              </a:ext>
+            </a:extLst>
+          </p:cNvPr>
+          <p:cNvSpPr txBox="1"/>
+          <p:nvPr/>
+        </p:nvSpPr>
+        <p:spPr>
+          <a:xfrm>
+            <a:off x="766098" y="5036820"/>
+            <a:ext cx="11302365" cy="769441"/>
+          </a:xfrm>
+          <a:prstGeom prst="rect">
+            <a:avLst/>
+          </a:prstGeom>
+          <a:noFill/>
+        </p:spPr>
+        <p:txBody>
+          <a:bodyPr wrap="square" rtlCol="0">
+            <a:spAutoFit/>
+          </a:bodyPr>
+          <a:lstStyle/>
+          <a:p>
+            <a:r>
+              <a:rPr lang="en-US" sz="4400" dirty="0"/>
+              <a:t>Data is often stored in multiple tables &amp; places</a:t>
+            </a:r>
+          </a:p>
+        </p:txBody>
+      </p:sp>
+      <p:pic>
+        <p:nvPicPr>
+          <p:cNvPr id="14" name="Picture 13">
+            <a:extLst>
+              <a:ext uri="{FF2B5EF4-FFF2-40B4-BE49-F238E27FC236}">
+                <a16:creationId xmlns:a16="http://schemas.microsoft.com/office/drawing/2014/main" id="{4402D923-26FB-4A3C-A411-03EC5F55307A}"/>
+              </a:ext>
+            </a:extLst>
+          </p:cNvPr>
+          <p:cNvPicPr>
+            <a:picLocks noChangeAspect="1"/>
+          </p:cNvPicPr>
+          <p:nvPr/>
+        </p:nvPicPr>
+        <p:blipFill>
+          <a:blip r:embed="rId3">
+            <a:duotone>
+              <a:schemeClr val="accent4">
+                <a:shade val="45000"/>
+                <a:satMod val="135000"/>
+              </a:schemeClr>
+              <a:prstClr val="white"/>
+            </a:duotone>
+          </a:blip>
+          <a:stretch>
+            <a:fillRect/>
+          </a:stretch>
+        </p:blipFill>
+        <p:spPr>
+          <a:xfrm>
+            <a:off x="7072601" y="2680885"/>
+            <a:ext cx="1378887" cy="1329388"/>
+          </a:xfrm>
+          <a:prstGeom prst="rect">
+            <a:avLst/>
+          </a:prstGeom>
+        </p:spPr>
+      </p:pic>
+      <p:pic>
+        <p:nvPicPr>
+          <p:cNvPr id="1026" name="Picture 2" descr="Image result for web developer icone">
+            <a:extLst>
+              <a:ext uri="{FF2B5EF4-FFF2-40B4-BE49-F238E27FC236}">
+                <a16:creationId xmlns:a16="http://schemas.microsoft.com/office/drawing/2014/main" id="{F8B13343-E004-47F8-8F55-F429968E3CD8}"/>
+              </a:ext>
+            </a:extLst>
+          </p:cNvPr>
+          <p:cNvPicPr>
+            <a:picLocks noChangeAspect="1" noChangeArrowheads="1"/>
+          </p:cNvPicPr>
+          <p:nvPr/>
+        </p:nvPicPr>
+        <p:blipFill>
+          <a:blip r:embed="rId5">
+            <a:extLst>
+              <a:ext uri="{28A0092B-C50C-407E-A947-70E740481C1C}">
+                <a14:useLocalDpi xmlns:a14="http://schemas.microsoft.com/office/drawing/2010/main" val="0"/>
+              </a:ext>
+            </a:extLst>
+          </a:blip>
+          <a:srcRect/>
+          <a:stretch>
+            <a:fillRect/>
+          </a:stretch>
+        </p:blipFill>
+        <p:spPr bwMode="auto">
+          <a:xfrm>
+            <a:off x="143442" y="1376917"/>
+            <a:ext cx="2169959" cy="2374423"/>
+          </a:xfrm>
+          <a:prstGeom prst="rect">
+            <a:avLst/>
+          </a:prstGeom>
+          <a:noFill/>
+          <a:extLst>
+            <a:ext uri="{909E8E84-426E-40DD-AFC4-6F175D3DCCD1}">
+              <a14:hiddenFill xmlns:a14="http://schemas.microsoft.com/office/drawing/2010/main">
+                <a:solidFill>
+                  <a:srgbClr val="FFFFFF"/>
+                </a:solidFill>
+              </a14:hiddenFill>
+            </a:ext>
+          </a:extLst>
+        </p:spPr>
+      </p:pic>
+    </p:spTree>
+    <p:extLst>
+      <p:ext uri="{BB962C8B-B14F-4D97-AF65-F5344CB8AC3E}">
+        <p14:creationId xmlns:p14="http://schemas.microsoft.com/office/powerpoint/2010/main" val="581798751"/>
+      </p:ext>
+    </p:extLst>
+  </p:cSld>
+  <p:clrMapOvr>
+    <a:masterClrMapping/>
+  </p:clrMapOvr>
+  <p:timing>
+    <p:tnLst>
+      <p:par>
+        <p:cTn id="1" dur="indefinite" restart="never" nodeType="tmRoot">
+          <p:childTnLst>
+            <p:seq concurrent="1" nextAc="seek">
+              <p:cTn id="2" dur="indefinite" nodeType="mainSeq">
+                <p:childTnLst>
+                  <p:par>
+                    <p:cTn id="3" fill="hold">
+                      <p:stCondLst>
+                        <p:cond delay="indefinite"/>
+                        <p:cond evt="onBegin" delay="0">
+                          <p:tn val="2"/>
+                        </p:cond>
+                      </p:stCondLst>
+                      <p:childTnLst>
+                        <p:par>
+                          <p:cTn id="4" fill="hold">
+                            <p:stCondLst>
+                              <p:cond delay="0"/>
+                            </p:stCondLst>
+                            <p:childTnLst>
+                              <p:par>
+                                <p:cTn id="5" presetID="1" presetClass="entr" presetSubtype="0" fill="hold" grpId="0" nodeType="withEffect">
+                                  <p:stCondLst>
+                                    <p:cond delay="0"/>
+                                  </p:stCondLst>
+                                  <p:childTnLst>
+                                    <p:set>
+                                      <p:cBhvr>
+                                        <p:cTn id="6" dur="1" fill="hold">
+                                          <p:stCondLst>
+                                            <p:cond delay="0"/>
+                                          </p:stCondLst>
+                                        </p:cTn>
+                                        <p:tgtEl>
+                                          <p:spTgt spid="5"/>
+                                        </p:tgtEl>
+                                        <p:attrNameLst>
+                                          <p:attrName>style.visibility</p:attrName>
+                                        </p:attrNameLst>
+                                      </p:cBhvr>
+                                      <p:to>
+                                        <p:strVal val="visible"/>
+                                      </p:to>
+                                    </p:set>
+                                  </p:childTnLst>
+                                </p:cTn>
+                              </p:par>
+                              <p:par>
+                                <p:cTn id="7" presetID="1" presetClass="entr" presetSubtype="0" fill="hold" grpId="0" nodeType="withEffect">
+                                  <p:stCondLst>
+                                    <p:cond delay="0"/>
+                                  </p:stCondLst>
+                                  <p:childTnLst>
+                                    <p:set>
+                                      <p:cBhvr>
+                                        <p:cTn id="8" dur="1" fill="hold">
+                                          <p:stCondLst>
+                                            <p:cond delay="0"/>
+                                          </p:stCondLst>
+                                        </p:cTn>
+                                        <p:tgtEl>
+                                          <p:spTgt spid="2"/>
+                                        </p:tgtEl>
+                                        <p:attrNameLst>
+                                          <p:attrName>style.visibility</p:attrName>
+                                        </p:attrNameLst>
+                                      </p:cBhvr>
+                                      <p:to>
+                                        <p:strVal val="visible"/>
+                                      </p:to>
+                                    </p:set>
+                                  </p:childTnLst>
+                                </p:cTn>
+                              </p:par>
+                            </p:childTnLst>
+                          </p:cTn>
+                        </p:par>
+                      </p:childTnLst>
+                    </p:cTn>
+                  </p:par>
+                </p:childTnLst>
+              </p:cTn>
+              <p:prevCondLst>
+                <p:cond evt="onPrev" delay="0">
+                  <p:tgtEl>
+                    <p:sldTgt/>
+                  </p:tgtEl>
+                </p:cond>
+              </p:prevCondLst>
+              <p:nextCondLst>
+                <p:cond evt="onNext" delay="0">
+                  <p:tgtEl>
+                    <p:sldTgt/>
+                  </p:tgtEl>
+                </p:cond>
+              </p:nextCondLst>
+            </p:seq>
+          </p:childTnLst>
+        </p:cTn>
+      </p:par>
+    </p:tnLst>
+    <p:bldLst>
+      <p:bldP spid="5" grpId="0" animBg="1"/>
+      <p:bldP spid="2" grpId="0"/>
+    </p:bldLst>
+  </p:timing>
+</p:sld>
+</file>
+
+<file path=ppt/slides/slide7.xml><?xml version="1.0" encoding="utf-8"?>
+<p:sld xmlns:a="http://schemas.openxmlformats.org/drawingml/2006/main" xmlns:r="http://schemas.openxmlformats.org/officeDocument/2006/relationships" xmlns:p="http://schemas.openxmlformats.org/presentationml/2006/main">
+  <p:cSld>
+    <p:spTree>
+      <p:nvGrpSpPr>
+        <p:cNvPr id="1" name=""/>
+        <p:cNvGrpSpPr/>
+        <p:nvPr/>
+      </p:nvGrpSpPr>
+      <p:grpSpPr>
+        <a:xfrm>
+          <a:off x="0" y="0"/>
+          <a:ext cx="0" cy="0"/>
+          <a:chOff x="0" y="0"/>
+          <a:chExt cx="0" cy="0"/>
+        </a:xfrm>
+      </p:grpSpPr>
       <p:sp>
         <p:nvSpPr>
           <p:cNvPr id="2" name="Title 1">
@@ -10840,7 +12415,7 @@
 </p:sld>
 </file>
 
-<file path=ppt/slides/slide7.xml><?xml version="1.0" encoding="utf-8"?>
+<file path=ppt/slides/slide8.xml><?xml version="1.0" encoding="utf-8"?>
 <p:sld xmlns:a="http://schemas.openxmlformats.org/drawingml/2006/main" xmlns:r="http://schemas.openxmlformats.org/officeDocument/2006/relationships" xmlns:p="http://schemas.openxmlformats.org/presentationml/2006/main">
   <p:cSld>
     <p:spTree>
@@ -11531,7 +13106,7 @@
 </p:sld>
 </file>
 
-<file path=ppt/slides/slide8.xml><?xml version="1.0" encoding="utf-8"?>
+<file path=ppt/slides/slide9.xml><?xml version="1.0" encoding="utf-8"?>
 <p:sld xmlns:a="http://schemas.openxmlformats.org/drawingml/2006/main" xmlns:r="http://schemas.openxmlformats.org/officeDocument/2006/relationships" xmlns:p="http://schemas.openxmlformats.org/presentationml/2006/main">
   <p:cSld>
     <p:spTree>
@@ -12016,888 +13591,6 @@
         </p:cTn>
       </p:par>
     </p:tnLst>
-  </p:timing>
-</p:sld>
-</file>
-
-<file path=ppt/slides/slide9.xml><?xml version="1.0" encoding="utf-8"?>
-<p:sld xmlns:a="http://schemas.openxmlformats.org/drawingml/2006/main" xmlns:r="http://schemas.openxmlformats.org/officeDocument/2006/relationships" xmlns:p="http://schemas.openxmlformats.org/presentationml/2006/main">
-  <p:cSld>
-    <p:spTree>
-      <p:nvGrpSpPr>
-        <p:cNvPr id="1" name=""/>
-        <p:cNvGrpSpPr/>
-        <p:nvPr/>
-      </p:nvGrpSpPr>
-      <p:grpSpPr>
-        <a:xfrm>
-          <a:off x="0" y="0"/>
-          <a:ext cx="0" cy="0"/>
-          <a:chOff x="0" y="0"/>
-          <a:chExt cx="0" cy="0"/>
-        </a:xfrm>
-      </p:grpSpPr>
-      <p:sp>
-        <p:nvSpPr>
-          <p:cNvPr id="2" name="Title 1">
-            <a:extLst>
-              <a:ext uri="{FF2B5EF4-FFF2-40B4-BE49-F238E27FC236}">
-                <a16:creationId xmlns:a16="http://schemas.microsoft.com/office/drawing/2014/main" id="{32619911-FBE2-4B2B-B954-D18E9A846DD6}"/>
-              </a:ext>
-            </a:extLst>
-          </p:cNvPr>
-          <p:cNvSpPr>
-            <a:spLocks noGrp="1"/>
-          </p:cNvSpPr>
-          <p:nvPr>
-            <p:ph type="title"/>
-          </p:nvPr>
-        </p:nvSpPr>
-        <p:spPr>
-          <a:xfrm>
-            <a:off x="284018" y="238139"/>
-            <a:ext cx="3820568" cy="2945403"/>
-          </a:xfrm>
-        </p:spPr>
-        <p:txBody>
-          <a:bodyPr/>
-          <a:lstStyle/>
-          <a:p>
-            <a:r>
-              <a:rPr lang="en-US" dirty="0"/>
-              <a:t>Salesforce Entity Relationship Diagram</a:t>
-            </a:r>
-          </a:p>
-        </p:txBody>
-      </p:sp>
-      <p:sp>
-        <p:nvSpPr>
-          <p:cNvPr id="3" name="Content Placeholder 2">
-            <a:extLst>
-              <a:ext uri="{FF2B5EF4-FFF2-40B4-BE49-F238E27FC236}">
-                <a16:creationId xmlns:a16="http://schemas.microsoft.com/office/drawing/2014/main" id="{A1F9CA15-9191-42B0-88A2-E0089097FD92}"/>
-              </a:ext>
-            </a:extLst>
-          </p:cNvPr>
-          <p:cNvSpPr>
-            <a:spLocks noGrp="1"/>
-          </p:cNvSpPr>
-          <p:nvPr>
-            <p:ph idx="1"/>
-          </p:nvPr>
-        </p:nvSpPr>
-        <p:spPr>
-          <a:xfrm>
-            <a:off x="284018" y="3074446"/>
-            <a:ext cx="3505200" cy="3026621"/>
-          </a:xfrm>
-        </p:spPr>
-        <p:txBody>
-          <a:bodyPr/>
-          <a:lstStyle/>
-          <a:p>
-            <a:pPr marL="0" indent="0">
-              <a:buNone/>
-            </a:pPr>
-            <a:r>
-              <a:rPr lang="en-US" b="1" dirty="0">
-                <a:solidFill>
-                  <a:schemeClr val="tx1">
-                    <a:lumMod val="65000"/>
-                    <a:lumOff val="35000"/>
-                  </a:schemeClr>
-                </a:solidFill>
-              </a:rPr>
-              <a:t>Two Parts to Joining:</a:t>
-            </a:r>
-          </a:p>
-          <a:p>
-            <a:pPr marL="514350" indent="-514350">
-              <a:buFont typeface="+mj-lt"/>
-              <a:buAutoNum type="arabicPeriod"/>
-            </a:pPr>
-            <a:r>
-              <a:rPr lang="en-US" dirty="0">
-                <a:solidFill>
-                  <a:schemeClr val="tx1">
-                    <a:lumMod val="65000"/>
-                    <a:lumOff val="35000"/>
-                  </a:schemeClr>
-                </a:solidFill>
-              </a:rPr>
-              <a:t>Knowing tables, fields, and key connections</a:t>
-            </a:r>
-          </a:p>
-          <a:p>
-            <a:pPr marL="514350" indent="-514350">
-              <a:buFont typeface="+mj-lt"/>
-              <a:buAutoNum type="arabicPeriod"/>
-            </a:pPr>
-            <a:r>
-              <a:rPr lang="en-US" dirty="0">
-                <a:solidFill>
-                  <a:schemeClr val="tx1">
-                    <a:lumMod val="65000"/>
-                    <a:lumOff val="35000"/>
-                  </a:schemeClr>
-                </a:solidFill>
-              </a:rPr>
-              <a:t>Joining </a:t>
-            </a:r>
-          </a:p>
-        </p:txBody>
-      </p:sp>
-      <p:pic>
-        <p:nvPicPr>
-          <p:cNvPr id="1026" name="Picture 2" descr="ERD of product and schedule objects">
-            <a:extLst>
-              <a:ext uri="{FF2B5EF4-FFF2-40B4-BE49-F238E27FC236}">
-                <a16:creationId xmlns:a16="http://schemas.microsoft.com/office/drawing/2014/main" id="{87BF0AE1-61D9-45B8-A711-404F5362A903}"/>
-              </a:ext>
-            </a:extLst>
-          </p:cNvPr>
-          <p:cNvPicPr>
-            <a:picLocks noChangeAspect="1" noChangeArrowheads="1"/>
-          </p:cNvPicPr>
-          <p:nvPr/>
-        </p:nvPicPr>
-        <p:blipFill>
-          <a:blip r:embed="rId3">
-            <a:extLst>
-              <a:ext uri="{28A0092B-C50C-407E-A947-70E740481C1C}">
-                <a14:useLocalDpi xmlns:a14="http://schemas.microsoft.com/office/drawing/2010/main" val="0"/>
-              </a:ext>
-            </a:extLst>
-          </a:blip>
-          <a:srcRect/>
-          <a:stretch>
-            <a:fillRect/>
-          </a:stretch>
-        </p:blipFill>
-        <p:spPr bwMode="auto">
-          <a:xfrm>
-            <a:off x="3899999" y="238139"/>
-            <a:ext cx="8038956" cy="6290430"/>
-          </a:xfrm>
-          <a:prstGeom prst="rect">
-            <a:avLst/>
-          </a:prstGeom>
-          <a:noFill/>
-          <a:extLst>
-            <a:ext uri="{909E8E84-426E-40DD-AFC4-6F175D3DCCD1}">
-              <a14:hiddenFill xmlns:a14="http://schemas.microsoft.com/office/drawing/2010/main">
-                <a:solidFill>
-                  <a:srgbClr val="FFFFFF"/>
-                </a:solidFill>
-              </a14:hiddenFill>
-            </a:ext>
-          </a:extLst>
-        </p:spPr>
-      </p:pic>
-      <p:sp>
-        <p:nvSpPr>
-          <p:cNvPr id="4" name="Rectangle 3">
-            <a:extLst>
-              <a:ext uri="{FF2B5EF4-FFF2-40B4-BE49-F238E27FC236}">
-                <a16:creationId xmlns:a16="http://schemas.microsoft.com/office/drawing/2014/main" id="{019443BD-B4CE-4AFC-B1D1-C07FCCBED1F7}"/>
-              </a:ext>
-            </a:extLst>
-          </p:cNvPr>
-          <p:cNvSpPr/>
-          <p:nvPr/>
-        </p:nvSpPr>
-        <p:spPr>
-          <a:xfrm>
-            <a:off x="6615546" y="6295844"/>
-            <a:ext cx="6037118" cy="261610"/>
-          </a:xfrm>
-          <a:prstGeom prst="rect">
-            <a:avLst/>
-          </a:prstGeom>
-        </p:spPr>
-        <p:txBody>
-          <a:bodyPr wrap="square">
-            <a:spAutoFit/>
-          </a:bodyPr>
-          <a:lstStyle/>
-          <a:p>
-            <a:r>
-              <a:rPr lang="en-US" sz="1100" dirty="0">
-                <a:solidFill>
-                  <a:schemeClr val="tx1">
-                    <a:lumMod val="50000"/>
-                    <a:lumOff val="50000"/>
-                  </a:schemeClr>
-                </a:solidFill>
-              </a:rPr>
-              <a:t>https://developer.salesforce.com/docs/atlas.en-us.api.meta/api/sforce_api_erd_products.htm</a:t>
-            </a:r>
-          </a:p>
-        </p:txBody>
-      </p:sp>
-      <p:sp>
-        <p:nvSpPr>
-          <p:cNvPr id="5" name="Flowchart: Process 4">
-            <a:hlinkClick r:id="rId4"/>
-            <a:extLst>
-              <a:ext uri="{FF2B5EF4-FFF2-40B4-BE49-F238E27FC236}">
-                <a16:creationId xmlns:a16="http://schemas.microsoft.com/office/drawing/2014/main" id="{2A1C9A82-8F60-4893-889D-D920817DD4B2}"/>
-              </a:ext>
-            </a:extLst>
-          </p:cNvPr>
-          <p:cNvSpPr/>
-          <p:nvPr/>
-        </p:nvSpPr>
-        <p:spPr>
-          <a:xfrm>
-            <a:off x="6677890" y="6295843"/>
-            <a:ext cx="5604163" cy="261611"/>
-          </a:xfrm>
-          <a:prstGeom prst="flowChartProcess">
-            <a:avLst/>
-          </a:prstGeom>
-          <a:noFill/>
-          <a:ln>
-            <a:noFill/>
-          </a:ln>
-        </p:spPr>
-        <p:style>
-          <a:lnRef idx="2">
-            <a:schemeClr val="accent1">
-              <a:shade val="50000"/>
-            </a:schemeClr>
-          </a:lnRef>
-          <a:fillRef idx="1">
-            <a:schemeClr val="accent1"/>
-          </a:fillRef>
-          <a:effectRef idx="0">
-            <a:schemeClr val="accent1"/>
-          </a:effectRef>
-          <a:fontRef idx="minor">
-            <a:schemeClr val="lt1"/>
-          </a:fontRef>
-        </p:style>
-        <p:txBody>
-          <a:bodyPr rtlCol="0" anchor="ctr"/>
-          <a:lstStyle/>
-          <a:p>
-            <a:pPr algn="ctr"/>
-            <a:endParaRPr lang="en-US" dirty="0"/>
-          </a:p>
-        </p:txBody>
-      </p:sp>
-      <p:pic>
-        <p:nvPicPr>
-          <p:cNvPr id="6" name="Picture 5">
-            <a:extLst>
-              <a:ext uri="{FF2B5EF4-FFF2-40B4-BE49-F238E27FC236}">
-                <a16:creationId xmlns:a16="http://schemas.microsoft.com/office/drawing/2014/main" id="{6A228AE4-1359-4884-85FB-E6961065EBA4}"/>
-              </a:ext>
-            </a:extLst>
-          </p:cNvPr>
-          <p:cNvPicPr>
-            <a:picLocks noChangeAspect="1"/>
-          </p:cNvPicPr>
-          <p:nvPr/>
-        </p:nvPicPr>
-        <p:blipFill>
-          <a:blip r:embed="rId5"/>
-          <a:stretch>
-            <a:fillRect/>
-          </a:stretch>
-        </p:blipFill>
-        <p:spPr>
-          <a:xfrm>
-            <a:off x="349798" y="6019849"/>
-            <a:ext cx="2793225" cy="334924"/>
-          </a:xfrm>
-          <a:prstGeom prst="rect">
-            <a:avLst/>
-          </a:prstGeom>
-        </p:spPr>
-      </p:pic>
-      <p:sp>
-        <p:nvSpPr>
-          <p:cNvPr id="7" name="TextBox 6">
-            <a:extLst>
-              <a:ext uri="{FF2B5EF4-FFF2-40B4-BE49-F238E27FC236}">
-                <a16:creationId xmlns:a16="http://schemas.microsoft.com/office/drawing/2014/main" id="{49D022F0-FA8E-4E48-B286-63C059832EE0}"/>
-              </a:ext>
-            </a:extLst>
-          </p:cNvPr>
-          <p:cNvSpPr txBox="1"/>
-          <p:nvPr/>
-        </p:nvSpPr>
-        <p:spPr>
-          <a:xfrm>
-            <a:off x="1988126" y="5520162"/>
-            <a:ext cx="637309" cy="369332"/>
-          </a:xfrm>
-          <a:prstGeom prst="rect">
-            <a:avLst/>
-          </a:prstGeom>
-          <a:noFill/>
-        </p:spPr>
-        <p:txBody>
-          <a:bodyPr wrap="square" rtlCol="0">
-            <a:spAutoFit/>
-          </a:bodyPr>
-          <a:lstStyle/>
-          <a:p>
-            <a:r>
-              <a:rPr lang="en-US" b="1" dirty="0"/>
-              <a:t>1</a:t>
-            </a:r>
-          </a:p>
-        </p:txBody>
-      </p:sp>
-      <p:sp>
-        <p:nvSpPr>
-          <p:cNvPr id="9" name="TextBox 8">
-            <a:extLst>
-              <a:ext uri="{FF2B5EF4-FFF2-40B4-BE49-F238E27FC236}">
-                <a16:creationId xmlns:a16="http://schemas.microsoft.com/office/drawing/2014/main" id="{7B5F8646-BDAE-4823-A114-36713DBE378F}"/>
-              </a:ext>
-            </a:extLst>
-          </p:cNvPr>
-          <p:cNvSpPr txBox="1"/>
-          <p:nvPr/>
-        </p:nvSpPr>
-        <p:spPr>
-          <a:xfrm>
-            <a:off x="538683" y="5520162"/>
-            <a:ext cx="637309" cy="369332"/>
-          </a:xfrm>
-          <a:prstGeom prst="rect">
-            <a:avLst/>
-          </a:prstGeom>
-          <a:noFill/>
-        </p:spPr>
-        <p:txBody>
-          <a:bodyPr wrap="square" rtlCol="0">
-            <a:spAutoFit/>
-          </a:bodyPr>
-          <a:lstStyle/>
-          <a:p>
-            <a:r>
-              <a:rPr lang="en-US" b="1" dirty="0"/>
-              <a:t>2</a:t>
-            </a:r>
-          </a:p>
-        </p:txBody>
-      </p:sp>
-      <p:sp>
-        <p:nvSpPr>
-          <p:cNvPr id="10" name="Rectangle 9">
-            <a:extLst>
-              <a:ext uri="{FF2B5EF4-FFF2-40B4-BE49-F238E27FC236}">
-                <a16:creationId xmlns:a16="http://schemas.microsoft.com/office/drawing/2014/main" id="{759253E8-F0BD-4DC0-B911-9CFED266A133}"/>
-              </a:ext>
-            </a:extLst>
-          </p:cNvPr>
-          <p:cNvSpPr/>
-          <p:nvPr/>
-        </p:nvSpPr>
-        <p:spPr>
-          <a:xfrm>
-            <a:off x="6615546" y="6596390"/>
-            <a:ext cx="6099462" cy="261610"/>
-          </a:xfrm>
-          <a:prstGeom prst="rect">
-            <a:avLst/>
-          </a:prstGeom>
-        </p:spPr>
-        <p:txBody>
-          <a:bodyPr wrap="square">
-            <a:spAutoFit/>
-          </a:bodyPr>
-          <a:lstStyle/>
-          <a:p>
-            <a:r>
-              <a:rPr lang="en-US" sz="1100" dirty="0">
-                <a:solidFill>
-                  <a:schemeClr val="tx1">
-                    <a:lumMod val="50000"/>
-                    <a:lumOff val="50000"/>
-                  </a:schemeClr>
-                </a:solidFill>
-              </a:rPr>
-              <a:t>https://resources.docs.salesforce.com/212/latest/en-us/sfdc/pdf/apex_api.pdf</a:t>
-            </a:r>
-          </a:p>
-        </p:txBody>
-      </p:sp>
-      <p:sp>
-        <p:nvSpPr>
-          <p:cNvPr id="11" name="Flowchart: Process 10">
-            <a:hlinkClick r:id="rId6"/>
-            <a:extLst>
-              <a:ext uri="{FF2B5EF4-FFF2-40B4-BE49-F238E27FC236}">
-                <a16:creationId xmlns:a16="http://schemas.microsoft.com/office/drawing/2014/main" id="{D81660D3-9FA0-4BEE-A807-8C29BE855E9C}"/>
-              </a:ext>
-            </a:extLst>
-          </p:cNvPr>
-          <p:cNvSpPr/>
-          <p:nvPr/>
-        </p:nvSpPr>
-        <p:spPr>
-          <a:xfrm>
-            <a:off x="6615546" y="6590275"/>
-            <a:ext cx="5604163" cy="261611"/>
-          </a:xfrm>
-          <a:prstGeom prst="flowChartProcess">
-            <a:avLst/>
-          </a:prstGeom>
-          <a:noFill/>
-          <a:ln>
-            <a:noFill/>
-          </a:ln>
-        </p:spPr>
-        <p:style>
-          <a:lnRef idx="2">
-            <a:schemeClr val="accent1">
-              <a:shade val="50000"/>
-            </a:schemeClr>
-          </a:lnRef>
-          <a:fillRef idx="1">
-            <a:schemeClr val="accent1"/>
-          </a:fillRef>
-          <a:effectRef idx="0">
-            <a:schemeClr val="accent1"/>
-          </a:effectRef>
-          <a:fontRef idx="minor">
-            <a:schemeClr val="lt1"/>
-          </a:fontRef>
-        </p:style>
-        <p:txBody>
-          <a:bodyPr rtlCol="0" anchor="ctr"/>
-          <a:lstStyle/>
-          <a:p>
-            <a:pPr algn="ctr"/>
-            <a:endParaRPr lang="en-US" dirty="0"/>
-          </a:p>
-        </p:txBody>
-      </p:sp>
-      <p:sp>
-        <p:nvSpPr>
-          <p:cNvPr id="8" name="Arrow: Right 7">
-            <a:extLst>
-              <a:ext uri="{FF2B5EF4-FFF2-40B4-BE49-F238E27FC236}">
-                <a16:creationId xmlns:a16="http://schemas.microsoft.com/office/drawing/2014/main" id="{474939DB-FCEE-4951-A173-70B9DD1BFAFA}"/>
-              </a:ext>
-            </a:extLst>
-          </p:cNvPr>
-          <p:cNvSpPr/>
-          <p:nvPr/>
-        </p:nvSpPr>
-        <p:spPr>
-          <a:xfrm rot="5400000">
-            <a:off x="575700" y="5852258"/>
-            <a:ext cx="207819" cy="127364"/>
-          </a:xfrm>
-          <a:prstGeom prst="rightArrow">
-            <a:avLst/>
-          </a:prstGeom>
-        </p:spPr>
-        <p:style>
-          <a:lnRef idx="2">
-            <a:schemeClr val="accent3">
-              <a:shade val="50000"/>
-            </a:schemeClr>
-          </a:lnRef>
-          <a:fillRef idx="1">
-            <a:schemeClr val="accent3"/>
-          </a:fillRef>
-          <a:effectRef idx="0">
-            <a:schemeClr val="accent3"/>
-          </a:effectRef>
-          <a:fontRef idx="minor">
-            <a:schemeClr val="lt1"/>
-          </a:fontRef>
-        </p:style>
-        <p:txBody>
-          <a:bodyPr rtlCol="0" anchor="ctr"/>
-          <a:lstStyle/>
-          <a:p>
-            <a:pPr algn="ctr"/>
-            <a:endParaRPr lang="en-US" dirty="0"/>
-          </a:p>
-        </p:txBody>
-      </p:sp>
-      <p:sp>
-        <p:nvSpPr>
-          <p:cNvPr id="13" name="Arrow: Right 12">
-            <a:extLst>
-              <a:ext uri="{FF2B5EF4-FFF2-40B4-BE49-F238E27FC236}">
-                <a16:creationId xmlns:a16="http://schemas.microsoft.com/office/drawing/2014/main" id="{577BC5F6-8680-4CD4-877E-4CA86CF56EA0}"/>
-              </a:ext>
-            </a:extLst>
-          </p:cNvPr>
-          <p:cNvSpPr/>
-          <p:nvPr/>
-        </p:nvSpPr>
-        <p:spPr>
-          <a:xfrm rot="5400000">
-            <a:off x="2034981" y="5852258"/>
-            <a:ext cx="207819" cy="127364"/>
-          </a:xfrm>
-          <a:prstGeom prst="rightArrow">
-            <a:avLst/>
-          </a:prstGeom>
-        </p:spPr>
-        <p:style>
-          <a:lnRef idx="2">
-            <a:schemeClr val="accent3">
-              <a:shade val="50000"/>
-            </a:schemeClr>
-          </a:lnRef>
-          <a:fillRef idx="1">
-            <a:schemeClr val="accent3"/>
-          </a:fillRef>
-          <a:effectRef idx="0">
-            <a:schemeClr val="accent3"/>
-          </a:effectRef>
-          <a:fontRef idx="minor">
-            <a:schemeClr val="lt1"/>
-          </a:fontRef>
-        </p:style>
-        <p:txBody>
-          <a:bodyPr rtlCol="0" anchor="ctr"/>
-          <a:lstStyle/>
-          <a:p>
-            <a:pPr algn="ctr"/>
-            <a:endParaRPr lang="en-US" dirty="0"/>
-          </a:p>
-        </p:txBody>
-      </p:sp>
-    </p:spTree>
-    <p:extLst>
-      <p:ext uri="{BB962C8B-B14F-4D97-AF65-F5344CB8AC3E}">
-        <p14:creationId xmlns:p14="http://schemas.microsoft.com/office/powerpoint/2010/main" val="257962793"/>
-      </p:ext>
-    </p:extLst>
-  </p:cSld>
-  <p:clrMapOvr>
-    <a:masterClrMapping/>
-  </p:clrMapOvr>
-  <p:timing>
-    <p:tnLst>
-      <p:par>
-        <p:cTn id="1" dur="indefinite" restart="never" nodeType="tmRoot">
-          <p:childTnLst>
-            <p:seq concurrent="1" nextAc="seek">
-              <p:cTn id="2" dur="indefinite" nodeType="mainSeq">
-                <p:childTnLst>
-                  <p:par>
-                    <p:cTn id="3" fill="hold">
-                      <p:stCondLst>
-                        <p:cond delay="indefinite"/>
-                      </p:stCondLst>
-                      <p:childTnLst>
-                        <p:par>
-                          <p:cTn id="4" fill="hold">
-                            <p:stCondLst>
-                              <p:cond delay="0"/>
-                            </p:stCondLst>
-                            <p:childTnLst>
-                              <p:par>
-                                <p:cTn id="5" presetID="1" presetClass="entr" presetSubtype="0" fill="hold" grpId="0" nodeType="clickEffect">
-                                  <p:stCondLst>
-                                    <p:cond delay="0"/>
-                                  </p:stCondLst>
-                                  <p:childTnLst>
-                                    <p:set>
-                                      <p:cBhvr>
-                                        <p:cTn id="6" dur="1" fill="hold">
-                                          <p:stCondLst>
-                                            <p:cond delay="0"/>
-                                          </p:stCondLst>
-                                        </p:cTn>
-                                        <p:tgtEl>
-                                          <p:spTgt spid="3">
-                                            <p:txEl>
-                                              <p:pRg st="0" end="0"/>
-                                            </p:txEl>
-                                          </p:spTgt>
-                                        </p:tgtEl>
-                                        <p:attrNameLst>
-                                          <p:attrName>style.visibility</p:attrName>
-                                        </p:attrNameLst>
-                                      </p:cBhvr>
-                                      <p:to>
-                                        <p:strVal val="visible"/>
-                                      </p:to>
-                                    </p:set>
-                                  </p:childTnLst>
-                                </p:cTn>
-                              </p:par>
-                              <p:par>
-                                <p:cTn id="7" presetID="1" presetClass="entr" presetSubtype="0" fill="hold" grpId="0" nodeType="withEffect">
-                                  <p:stCondLst>
-                                    <p:cond delay="0"/>
-                                  </p:stCondLst>
-                                  <p:childTnLst>
-                                    <p:set>
-                                      <p:cBhvr>
-                                        <p:cTn id="8" dur="1" fill="hold">
-                                          <p:stCondLst>
-                                            <p:cond delay="0"/>
-                                          </p:stCondLst>
-                                        </p:cTn>
-                                        <p:tgtEl>
-                                          <p:spTgt spid="3">
-                                            <p:txEl>
-                                              <p:pRg st="1" end="1"/>
-                                            </p:txEl>
-                                          </p:spTgt>
-                                        </p:tgtEl>
-                                        <p:attrNameLst>
-                                          <p:attrName>style.visibility</p:attrName>
-                                        </p:attrNameLst>
-                                      </p:cBhvr>
-                                      <p:to>
-                                        <p:strVal val="visible"/>
-                                      </p:to>
-                                    </p:set>
-                                  </p:childTnLst>
-                                </p:cTn>
-                              </p:par>
-                              <p:par>
-                                <p:cTn id="9" presetID="1" presetClass="entr" presetSubtype="0" fill="hold" grpId="0" nodeType="withEffect">
-                                  <p:stCondLst>
-                                    <p:cond delay="0"/>
-                                  </p:stCondLst>
-                                  <p:childTnLst>
-                                    <p:set>
-                                      <p:cBhvr>
-                                        <p:cTn id="10" dur="1" fill="hold">
-                                          <p:stCondLst>
-                                            <p:cond delay="0"/>
-                                          </p:stCondLst>
-                                        </p:cTn>
-                                        <p:tgtEl>
-                                          <p:spTgt spid="3">
-                                            <p:txEl>
-                                              <p:pRg st="2" end="2"/>
-                                            </p:txEl>
-                                          </p:spTgt>
-                                        </p:tgtEl>
-                                        <p:attrNameLst>
-                                          <p:attrName>style.visibility</p:attrName>
-                                        </p:attrNameLst>
-                                      </p:cBhvr>
-                                      <p:to>
-                                        <p:strVal val="visible"/>
-                                      </p:to>
-                                    </p:set>
-                                  </p:childTnLst>
-                                </p:cTn>
-                              </p:par>
-                            </p:childTnLst>
-                          </p:cTn>
-                        </p:par>
-                      </p:childTnLst>
-                    </p:cTn>
-                  </p:par>
-                  <p:par>
-                    <p:cTn id="11" fill="hold">
-                      <p:stCondLst>
-                        <p:cond delay="indefinite"/>
-                      </p:stCondLst>
-                      <p:childTnLst>
-                        <p:par>
-                          <p:cTn id="12" fill="hold">
-                            <p:stCondLst>
-                              <p:cond delay="0"/>
-                            </p:stCondLst>
-                            <p:childTnLst>
-                              <p:par>
-                                <p:cTn id="13" presetID="1" presetClass="entr" presetSubtype="0" fill="hold" nodeType="clickEffect">
-                                  <p:stCondLst>
-                                    <p:cond delay="0"/>
-                                  </p:stCondLst>
-                                  <p:childTnLst>
-                                    <p:set>
-                                      <p:cBhvr>
-                                        <p:cTn id="14" dur="1" fill="hold">
-                                          <p:stCondLst>
-                                            <p:cond delay="0"/>
-                                          </p:stCondLst>
-                                        </p:cTn>
-                                        <p:tgtEl>
-                                          <p:spTgt spid="6"/>
-                                        </p:tgtEl>
-                                        <p:attrNameLst>
-                                          <p:attrName>style.visibility</p:attrName>
-                                        </p:attrNameLst>
-                                      </p:cBhvr>
-                                      <p:to>
-                                        <p:strVal val="visible"/>
-                                      </p:to>
-                                    </p:set>
-                                  </p:childTnLst>
-                                </p:cTn>
-                              </p:par>
-                            </p:childTnLst>
-                          </p:cTn>
-                        </p:par>
-                      </p:childTnLst>
-                    </p:cTn>
-                  </p:par>
-                  <p:par>
-                    <p:cTn id="15" fill="hold">
-                      <p:stCondLst>
-                        <p:cond delay="indefinite"/>
-                      </p:stCondLst>
-                      <p:childTnLst>
-                        <p:par>
-                          <p:cTn id="16" fill="hold">
-                            <p:stCondLst>
-                              <p:cond delay="0"/>
-                            </p:stCondLst>
-                            <p:childTnLst>
-                              <p:par>
-                                <p:cTn id="17" presetID="1" presetClass="entr" presetSubtype="0" fill="hold" grpId="0" nodeType="clickEffect">
-                                  <p:stCondLst>
-                                    <p:cond delay="0"/>
-                                  </p:stCondLst>
-                                  <p:childTnLst>
-                                    <p:set>
-                                      <p:cBhvr>
-                                        <p:cTn id="18" dur="1" fill="hold">
-                                          <p:stCondLst>
-                                            <p:cond delay="0"/>
-                                          </p:stCondLst>
-                                        </p:cTn>
-                                        <p:tgtEl>
-                                          <p:spTgt spid="9"/>
-                                        </p:tgtEl>
-                                        <p:attrNameLst>
-                                          <p:attrName>style.visibility</p:attrName>
-                                        </p:attrNameLst>
-                                      </p:cBhvr>
-                                      <p:to>
-                                        <p:strVal val="visible"/>
-                                      </p:to>
-                                    </p:set>
-                                  </p:childTnLst>
-                                </p:cTn>
-                              </p:par>
-                              <p:par>
-                                <p:cTn id="19" presetID="1" presetClass="entr" presetSubtype="0" fill="hold" grpId="0" nodeType="withEffect">
-                                  <p:stCondLst>
-                                    <p:cond delay="0"/>
-                                  </p:stCondLst>
-                                  <p:childTnLst>
-                                    <p:set>
-                                      <p:cBhvr>
-                                        <p:cTn id="20" dur="1" fill="hold">
-                                          <p:stCondLst>
-                                            <p:cond delay="0"/>
-                                          </p:stCondLst>
-                                        </p:cTn>
-                                        <p:tgtEl>
-                                          <p:spTgt spid="7"/>
-                                        </p:tgtEl>
-                                        <p:attrNameLst>
-                                          <p:attrName>style.visibility</p:attrName>
-                                        </p:attrNameLst>
-                                      </p:cBhvr>
-                                      <p:to>
-                                        <p:strVal val="visible"/>
-                                      </p:to>
-                                    </p:set>
-                                  </p:childTnLst>
-                                </p:cTn>
-                              </p:par>
-                              <p:par>
-                                <p:cTn id="21" presetID="1" presetClass="entr" presetSubtype="0" fill="hold" grpId="0" nodeType="withEffect">
-                                  <p:stCondLst>
-                                    <p:cond delay="0"/>
-                                  </p:stCondLst>
-                                  <p:childTnLst>
-                                    <p:set>
-                                      <p:cBhvr>
-                                        <p:cTn id="22" dur="1" fill="hold">
-                                          <p:stCondLst>
-                                            <p:cond delay="0"/>
-                                          </p:stCondLst>
-                                        </p:cTn>
-                                        <p:tgtEl>
-                                          <p:spTgt spid="13"/>
-                                        </p:tgtEl>
-                                        <p:attrNameLst>
-                                          <p:attrName>style.visibility</p:attrName>
-                                        </p:attrNameLst>
-                                      </p:cBhvr>
-                                      <p:to>
-                                        <p:strVal val="visible"/>
-                                      </p:to>
-                                    </p:set>
-                                  </p:childTnLst>
-                                </p:cTn>
-                              </p:par>
-                              <p:par>
-                                <p:cTn id="23" presetID="1" presetClass="entr" presetSubtype="0" fill="hold" grpId="0" nodeType="withEffect">
-                                  <p:stCondLst>
-                                    <p:cond delay="0"/>
-                                  </p:stCondLst>
-                                  <p:childTnLst>
-                                    <p:set>
-                                      <p:cBhvr>
-                                        <p:cTn id="24" dur="1" fill="hold">
-                                          <p:stCondLst>
-                                            <p:cond delay="0"/>
-                                          </p:stCondLst>
-                                        </p:cTn>
-                                        <p:tgtEl>
-                                          <p:spTgt spid="8"/>
-                                        </p:tgtEl>
-                                        <p:attrNameLst>
-                                          <p:attrName>style.visibility</p:attrName>
-                                        </p:attrNameLst>
-                                      </p:cBhvr>
-                                      <p:to>
-                                        <p:strVal val="visible"/>
-                                      </p:to>
-                                    </p:set>
-                                  </p:childTnLst>
-                                </p:cTn>
-                              </p:par>
-                            </p:childTnLst>
-                          </p:cTn>
-                        </p:par>
-                      </p:childTnLst>
-                    </p:cTn>
-                  </p:par>
-                </p:childTnLst>
-              </p:cTn>
-              <p:prevCondLst>
-                <p:cond evt="onPrev" delay="0">
-                  <p:tgtEl>
-                    <p:sldTgt/>
-                  </p:tgtEl>
-                </p:cond>
-              </p:prevCondLst>
-              <p:nextCondLst>
-                <p:cond evt="onNext" delay="0">
-                  <p:tgtEl>
-                    <p:sldTgt/>
-                  </p:tgtEl>
-                </p:cond>
-              </p:nextCondLst>
-            </p:seq>
-          </p:childTnLst>
-        </p:cTn>
-      </p:par>
-    </p:tnLst>
-    <p:bldLst>
-      <p:bldP spid="3" grpId="0" uiExpand="1" build="p"/>
-      <p:bldP spid="7" grpId="0"/>
-      <p:bldP spid="9" grpId="0"/>
-      <p:bldP spid="8" grpId="0" animBg="1"/>
-      <p:bldP spid="13" grpId="0" animBg="1"/>
-    </p:bldLst>
   </p:timing>
 </p:sld>
 </file>

--- a/slides/09_data_combining_joins_and_binds.pptx
+++ b/slides/09_data_combining_joins_and_binds.pptx
@@ -5,23 +5,21 @@
     <p:sldMasterId id="2147483648" r:id="rId1"/>
   </p:sldMasterIdLst>
   <p:notesMasterIdLst>
-    <p:notesMasterId r:id="rId16"/>
+    <p:notesMasterId r:id="rId14"/>
   </p:notesMasterIdLst>
   <p:sldIdLst>
     <p:sldId id="396" r:id="rId2"/>
     <p:sldId id="279" r:id="rId3"/>
     <p:sldId id="406" r:id="rId4"/>
     <p:sldId id="407" r:id="rId5"/>
-    <p:sldId id="398" r:id="rId6"/>
-    <p:sldId id="408" r:id="rId7"/>
-    <p:sldId id="399" r:id="rId8"/>
-    <p:sldId id="397" r:id="rId9"/>
-    <p:sldId id="401" r:id="rId10"/>
-    <p:sldId id="405" r:id="rId11"/>
-    <p:sldId id="400" r:id="rId12"/>
-    <p:sldId id="402" r:id="rId13"/>
-    <p:sldId id="403" r:id="rId14"/>
-    <p:sldId id="404" r:id="rId15"/>
+    <p:sldId id="408" r:id="rId6"/>
+    <p:sldId id="399" r:id="rId7"/>
+    <p:sldId id="397" r:id="rId8"/>
+    <p:sldId id="401" r:id="rId9"/>
+    <p:sldId id="400" r:id="rId10"/>
+    <p:sldId id="402" r:id="rId11"/>
+    <p:sldId id="403" r:id="rId12"/>
+    <p:sldId id="404" r:id="rId13"/>
   </p:sldIdLst>
   <p:sldSz cx="12192000" cy="6858000"/>
   <p:notesSz cx="6858000" cy="9144000"/>
@@ -210,7 +208,7 @@
           <a:p>
             <a:fld id="{3225D0BA-C5CC-4748-AE46-B61F31062CCD}" type="datetimeFigureOut">
               <a:rPr lang="en-US" smtClean="0"/>
-              <a:t>5/12/2018</a:t>
+              <a:t>5/13/2018</a:t>
             </a:fld>
             <a:endParaRPr lang="en-US"/>
           </a:p>
@@ -572,93 +570,6 @@
 </p:notes>
 </file>
 
-<file path=ppt/notesSlides/notesSlide10.xml><?xml version="1.0" encoding="utf-8"?>
-<p:notes xmlns:a="http://schemas.openxmlformats.org/drawingml/2006/main" xmlns:r="http://schemas.openxmlformats.org/officeDocument/2006/relationships" xmlns:p="http://schemas.openxmlformats.org/presentationml/2006/main">
-  <p:cSld>
-    <p:spTree>
-      <p:nvGrpSpPr>
-        <p:cNvPr id="1" name=""/>
-        <p:cNvGrpSpPr/>
-        <p:nvPr/>
-      </p:nvGrpSpPr>
-      <p:grpSpPr>
-        <a:xfrm>
-          <a:off x="0" y="0"/>
-          <a:ext cx="0" cy="0"/>
-          <a:chOff x="0" y="0"/>
-          <a:chExt cx="0" cy="0"/>
-        </a:xfrm>
-      </p:grpSpPr>
-      <p:sp>
-        <p:nvSpPr>
-          <p:cNvPr id="2" name="Slide Image Placeholder 1"/>
-          <p:cNvSpPr>
-            <a:spLocks noGrp="1" noRot="1" noChangeAspect="1"/>
-          </p:cNvSpPr>
-          <p:nvPr>
-            <p:ph type="sldImg"/>
-          </p:nvPr>
-        </p:nvSpPr>
-        <p:spPr/>
-      </p:sp>
-      <p:sp>
-        <p:nvSpPr>
-          <p:cNvPr id="3" name="Notes Placeholder 2"/>
-          <p:cNvSpPr>
-            <a:spLocks noGrp="1"/>
-          </p:cNvSpPr>
-          <p:nvPr>
-            <p:ph type="body" idx="1"/>
-          </p:nvPr>
-        </p:nvSpPr>
-        <p:spPr/>
-        <p:txBody>
-          <a:bodyPr/>
-          <a:lstStyle/>
-          <a:p>
-            <a:r>
-              <a:rPr lang="en-US" dirty="0"/>
-              <a:t>An inner join is more efficient because no fill in</a:t>
-            </a:r>
-          </a:p>
-        </p:txBody>
-      </p:sp>
-      <p:sp>
-        <p:nvSpPr>
-          <p:cNvPr id="4" name="Slide Number Placeholder 3"/>
-          <p:cNvSpPr>
-            <a:spLocks noGrp="1"/>
-          </p:cNvSpPr>
-          <p:nvPr>
-            <p:ph type="sldNum" sz="quarter" idx="10"/>
-          </p:nvPr>
-        </p:nvSpPr>
-        <p:spPr/>
-        <p:txBody>
-          <a:bodyPr/>
-          <a:lstStyle/>
-          <a:p>
-            <a:fld id="{14F3F799-0B82-4296-AD99-D8E54283B215}" type="slidenum">
-              <a:rPr lang="en-US" smtClean="0"/>
-              <a:t>13</a:t>
-            </a:fld>
-            <a:endParaRPr lang="en-US"/>
-          </a:p>
-        </p:txBody>
-      </p:sp>
-    </p:spTree>
-    <p:extLst>
-      <p:ext uri="{BB962C8B-B14F-4D97-AF65-F5344CB8AC3E}">
-        <p14:creationId xmlns:p14="http://schemas.microsoft.com/office/powerpoint/2010/main" val="2060737133"/>
-      </p:ext>
-    </p:extLst>
-  </p:cSld>
-  <p:clrMapOvr>
-    <a:masterClrMapping/>
-  </p:clrMapOvr>
-</p:notes>
-</file>
-
 <file path=ppt/notesSlides/notesSlide2.xml><?xml version="1.0" encoding="utf-8"?>
 <p:notes xmlns:a="http://schemas.openxmlformats.org/drawingml/2006/main" xmlns:r="http://schemas.openxmlformats.org/officeDocument/2006/relationships" xmlns:p="http://schemas.openxmlformats.org/presentationml/2006/main">
   <p:cSld>
@@ -820,7 +731,7 @@
     </p:spTree>
     <p:extLst>
       <p:ext uri="{BB962C8B-B14F-4D97-AF65-F5344CB8AC3E}">
-        <p14:creationId xmlns:p14="http://schemas.microsoft.com/office/powerpoint/2010/main" val="1004834728"/>
+        <p14:creationId xmlns:p14="http://schemas.microsoft.com/office/powerpoint/2010/main" val="452097125"/>
       </p:ext>
     </p:extLst>
   </p:cSld>
@@ -876,7 +787,7 @@
           <a:p>
             <a:r>
               <a:rPr lang="en-US" dirty="0"/>
-              <a:t>There are KEY columns that allow the tables to be related to one another and combined into human readable format</a:t>
+              <a:t>Left and inner do most all jobs (in R left usually).  Anything else and you’re probably showing off.</a:t>
             </a:r>
           </a:p>
         </p:txBody>
@@ -907,7 +818,7 @@
     </p:spTree>
     <p:extLst>
       <p:ext uri="{BB962C8B-B14F-4D97-AF65-F5344CB8AC3E}">
-        <p14:creationId xmlns:p14="http://schemas.microsoft.com/office/powerpoint/2010/main" val="452097125"/>
+        <p14:creationId xmlns:p14="http://schemas.microsoft.com/office/powerpoint/2010/main" val="3076307578"/>
       </p:ext>
     </p:extLst>
   </p:cSld>
@@ -963,7 +874,7 @@
           <a:p>
             <a:r>
               <a:rPr lang="en-US" dirty="0"/>
-              <a:t>Left and inner do most all jobs (in R left usually).  Anything else and you’re probably showing off.</a:t>
+              <a:t>Often you want to know where there is no match (don’t want to discard).</a:t>
             </a:r>
           </a:p>
         </p:txBody>
@@ -994,7 +905,7 @@
     </p:spTree>
     <p:extLst>
       <p:ext uri="{BB962C8B-B14F-4D97-AF65-F5344CB8AC3E}">
-        <p14:creationId xmlns:p14="http://schemas.microsoft.com/office/powerpoint/2010/main" val="3076307578"/>
+        <p14:creationId xmlns:p14="http://schemas.microsoft.com/office/powerpoint/2010/main" val="3346385428"/>
       </p:ext>
     </p:extLst>
   </p:cSld>
@@ -1050,7 +961,7 @@
           <a:p>
             <a:r>
               <a:rPr lang="en-US" dirty="0"/>
-              <a:t>Often you want to know where there is no match (don’t want to discard).</a:t>
+              <a:t>An inner join is more efficient because no fill in</a:t>
             </a:r>
           </a:p>
         </p:txBody>
@@ -1081,7 +992,7 @@
     </p:spTree>
     <p:extLst>
       <p:ext uri="{BB962C8B-B14F-4D97-AF65-F5344CB8AC3E}">
-        <p14:creationId xmlns:p14="http://schemas.microsoft.com/office/powerpoint/2010/main" val="3346385428"/>
+        <p14:creationId xmlns:p14="http://schemas.microsoft.com/office/powerpoint/2010/main" val="1432505477"/>
       </p:ext>
     </p:extLst>
   </p:cSld>
@@ -1137,7 +1048,7 @@
           <a:p>
             <a:r>
               <a:rPr lang="en-US" dirty="0"/>
-              <a:t>An inner join is more efficient because no fill in</a:t>
+              <a:t>Often you want to know where there is no match (don’t want to discard).</a:t>
             </a:r>
           </a:p>
         </p:txBody>
@@ -1159,7 +1070,7 @@
           <a:p>
             <a:fld id="{14F3F799-0B82-4296-AD99-D8E54283B215}" type="slidenum">
               <a:rPr lang="en-US" smtClean="0"/>
-              <a:t>9</a:t>
+              <a:t>10</a:t>
             </a:fld>
             <a:endParaRPr lang="en-US"/>
           </a:p>
@@ -1168,7 +1079,7 @@
     </p:spTree>
     <p:extLst>
       <p:ext uri="{BB962C8B-B14F-4D97-AF65-F5344CB8AC3E}">
-        <p14:creationId xmlns:p14="http://schemas.microsoft.com/office/powerpoint/2010/main" val="1432505477"/>
+        <p14:creationId xmlns:p14="http://schemas.microsoft.com/office/powerpoint/2010/main" val="3675353652"/>
       </p:ext>
     </p:extLst>
   </p:cSld>
@@ -1224,7 +1135,7 @@
           <a:p>
             <a:r>
               <a:rPr lang="en-US" dirty="0"/>
-              <a:t>A mapping that shows how tables link up.  Our systems don’t have a ER Diagram but the salesforce data does  and can help guide you through the connections though salesforce != our SF data dump</a:t>
+              <a:t>An inner join is more efficient because no fill in</a:t>
             </a:r>
           </a:p>
         </p:txBody>
@@ -1246,7 +1157,7 @@
           <a:p>
             <a:fld id="{14F3F799-0B82-4296-AD99-D8E54283B215}" type="slidenum">
               <a:rPr lang="en-US" smtClean="0"/>
-              <a:t>10</a:t>
+              <a:t>11</a:t>
             </a:fld>
             <a:endParaRPr lang="en-US"/>
           </a:p>
@@ -1255,94 +1166,7 @@
     </p:spTree>
     <p:extLst>
       <p:ext uri="{BB962C8B-B14F-4D97-AF65-F5344CB8AC3E}">
-        <p14:creationId xmlns:p14="http://schemas.microsoft.com/office/powerpoint/2010/main" val="205707720"/>
-      </p:ext>
-    </p:extLst>
-  </p:cSld>
-  <p:clrMapOvr>
-    <a:masterClrMapping/>
-  </p:clrMapOvr>
-</p:notes>
-</file>
-
-<file path=ppt/notesSlides/notesSlide9.xml><?xml version="1.0" encoding="utf-8"?>
-<p:notes xmlns:a="http://schemas.openxmlformats.org/drawingml/2006/main" xmlns:r="http://schemas.openxmlformats.org/officeDocument/2006/relationships" xmlns:p="http://schemas.openxmlformats.org/presentationml/2006/main">
-  <p:cSld>
-    <p:spTree>
-      <p:nvGrpSpPr>
-        <p:cNvPr id="1" name=""/>
-        <p:cNvGrpSpPr/>
-        <p:nvPr/>
-      </p:nvGrpSpPr>
-      <p:grpSpPr>
-        <a:xfrm>
-          <a:off x="0" y="0"/>
-          <a:ext cx="0" cy="0"/>
-          <a:chOff x="0" y="0"/>
-          <a:chExt cx="0" cy="0"/>
-        </a:xfrm>
-      </p:grpSpPr>
-      <p:sp>
-        <p:nvSpPr>
-          <p:cNvPr id="2" name="Slide Image Placeholder 1"/>
-          <p:cNvSpPr>
-            <a:spLocks noGrp="1" noRot="1" noChangeAspect="1"/>
-          </p:cNvSpPr>
-          <p:nvPr>
-            <p:ph type="sldImg"/>
-          </p:nvPr>
-        </p:nvSpPr>
-        <p:spPr/>
-      </p:sp>
-      <p:sp>
-        <p:nvSpPr>
-          <p:cNvPr id="3" name="Notes Placeholder 2"/>
-          <p:cNvSpPr>
-            <a:spLocks noGrp="1"/>
-          </p:cNvSpPr>
-          <p:nvPr>
-            <p:ph type="body" idx="1"/>
-          </p:nvPr>
-        </p:nvSpPr>
-        <p:spPr/>
-        <p:txBody>
-          <a:bodyPr/>
-          <a:lstStyle/>
-          <a:p>
-            <a:r>
-              <a:rPr lang="en-US" dirty="0"/>
-              <a:t>Often you want to know where there is no match (don’t want to discard).</a:t>
-            </a:r>
-          </a:p>
-        </p:txBody>
-      </p:sp>
-      <p:sp>
-        <p:nvSpPr>
-          <p:cNvPr id="4" name="Slide Number Placeholder 3"/>
-          <p:cNvSpPr>
-            <a:spLocks noGrp="1"/>
-          </p:cNvSpPr>
-          <p:nvPr>
-            <p:ph type="sldNum" sz="quarter" idx="10"/>
-          </p:nvPr>
-        </p:nvSpPr>
-        <p:spPr/>
-        <p:txBody>
-          <a:bodyPr/>
-          <a:lstStyle/>
-          <a:p>
-            <a:fld id="{14F3F799-0B82-4296-AD99-D8E54283B215}" type="slidenum">
-              <a:rPr lang="en-US" smtClean="0"/>
-              <a:t>12</a:t>
-            </a:fld>
-            <a:endParaRPr lang="en-US"/>
-          </a:p>
-        </p:txBody>
-      </p:sp>
-    </p:spTree>
-    <p:extLst>
-      <p:ext uri="{BB962C8B-B14F-4D97-AF65-F5344CB8AC3E}">
-        <p14:creationId xmlns:p14="http://schemas.microsoft.com/office/powerpoint/2010/main" val="3675353652"/>
+        <p14:creationId xmlns:p14="http://schemas.microsoft.com/office/powerpoint/2010/main" val="2060737133"/>
       </p:ext>
     </p:extLst>
   </p:cSld>
@@ -1499,7 +1323,7 @@
           <a:p>
             <a:fld id="{F461E63B-B13E-4884-A06A-FCFDEDCB16F4}" type="datetimeFigureOut">
               <a:rPr lang="en-US" smtClean="0"/>
-              <a:t>5/12/2018</a:t>
+              <a:t>5/13/2018</a:t>
             </a:fld>
             <a:endParaRPr lang="en-US"/>
           </a:p>
@@ -1697,7 +1521,7 @@
           <a:p>
             <a:fld id="{F461E63B-B13E-4884-A06A-FCFDEDCB16F4}" type="datetimeFigureOut">
               <a:rPr lang="en-US" smtClean="0"/>
-              <a:t>5/12/2018</a:t>
+              <a:t>5/13/2018</a:t>
             </a:fld>
             <a:endParaRPr lang="en-US"/>
           </a:p>
@@ -1905,7 +1729,7 @@
           <a:p>
             <a:fld id="{F461E63B-B13E-4884-A06A-FCFDEDCB16F4}" type="datetimeFigureOut">
               <a:rPr lang="en-US" smtClean="0"/>
-              <a:t>5/12/2018</a:t>
+              <a:t>5/13/2018</a:t>
             </a:fld>
             <a:endParaRPr lang="en-US"/>
           </a:p>
@@ -2103,7 +1927,7 @@
           <a:p>
             <a:fld id="{F461E63B-B13E-4884-A06A-FCFDEDCB16F4}" type="datetimeFigureOut">
               <a:rPr lang="en-US" smtClean="0"/>
-              <a:t>5/12/2018</a:t>
+              <a:t>5/13/2018</a:t>
             </a:fld>
             <a:endParaRPr lang="en-US"/>
           </a:p>
@@ -2378,7 +2202,7 @@
           <a:p>
             <a:fld id="{F461E63B-B13E-4884-A06A-FCFDEDCB16F4}" type="datetimeFigureOut">
               <a:rPr lang="en-US" smtClean="0"/>
-              <a:t>5/12/2018</a:t>
+              <a:t>5/13/2018</a:t>
             </a:fld>
             <a:endParaRPr lang="en-US"/>
           </a:p>
@@ -2643,7 +2467,7 @@
           <a:p>
             <a:fld id="{F461E63B-B13E-4884-A06A-FCFDEDCB16F4}" type="datetimeFigureOut">
               <a:rPr lang="en-US" smtClean="0"/>
-              <a:t>5/12/2018</a:t>
+              <a:t>5/13/2018</a:t>
             </a:fld>
             <a:endParaRPr lang="en-US"/>
           </a:p>
@@ -3055,7 +2879,7 @@
           <a:p>
             <a:fld id="{F461E63B-B13E-4884-A06A-FCFDEDCB16F4}" type="datetimeFigureOut">
               <a:rPr lang="en-US" smtClean="0"/>
-              <a:t>5/12/2018</a:t>
+              <a:t>5/13/2018</a:t>
             </a:fld>
             <a:endParaRPr lang="en-US"/>
           </a:p>
@@ -3196,7 +3020,7 @@
           <a:p>
             <a:fld id="{F461E63B-B13E-4884-A06A-FCFDEDCB16F4}" type="datetimeFigureOut">
               <a:rPr lang="en-US" smtClean="0"/>
-              <a:t>5/12/2018</a:t>
+              <a:t>5/13/2018</a:t>
             </a:fld>
             <a:endParaRPr lang="en-US"/>
           </a:p>
@@ -3309,7 +3133,7 @@
           <a:p>
             <a:fld id="{F461E63B-B13E-4884-A06A-FCFDEDCB16F4}" type="datetimeFigureOut">
               <a:rPr lang="en-US" smtClean="0"/>
-              <a:t>5/12/2018</a:t>
+              <a:t>5/13/2018</a:t>
             </a:fld>
             <a:endParaRPr lang="en-US"/>
           </a:p>
@@ -3620,7 +3444,7 @@
           <a:p>
             <a:fld id="{F461E63B-B13E-4884-A06A-FCFDEDCB16F4}" type="datetimeFigureOut">
               <a:rPr lang="en-US" smtClean="0"/>
-              <a:t>5/12/2018</a:t>
+              <a:t>5/13/2018</a:t>
             </a:fld>
             <a:endParaRPr lang="en-US"/>
           </a:p>
@@ -3908,7 +3732,7 @@
           <a:p>
             <a:fld id="{F461E63B-B13E-4884-A06A-FCFDEDCB16F4}" type="datetimeFigureOut">
               <a:rPr lang="en-US" smtClean="0"/>
-              <a:t>5/12/2018</a:t>
+              <a:t>5/13/2018</a:t>
             </a:fld>
             <a:endParaRPr lang="en-US"/>
           </a:p>
@@ -4149,7 +3973,7 @@
           <a:p>
             <a:fld id="{F461E63B-B13E-4884-A06A-FCFDEDCB16F4}" type="datetimeFigureOut">
               <a:rPr lang="en-US" smtClean="0"/>
-              <a:t>5/12/2018</a:t>
+              <a:t>5/13/2018</a:t>
             </a:fld>
             <a:endParaRPr lang="en-US"/>
           </a:p>
@@ -6298,952 +6122,6 @@
 </file>
 
 <file path=ppt/slides/slide10.xml><?xml version="1.0" encoding="utf-8"?>
-<p:sld xmlns:a="http://schemas.openxmlformats.org/drawingml/2006/main" xmlns:r="http://schemas.openxmlformats.org/officeDocument/2006/relationships" xmlns:p="http://schemas.openxmlformats.org/presentationml/2006/main" show="0">
-  <p:cSld>
-    <p:spTree>
-      <p:nvGrpSpPr>
-        <p:cNvPr id="1" name=""/>
-        <p:cNvGrpSpPr/>
-        <p:nvPr/>
-      </p:nvGrpSpPr>
-      <p:grpSpPr>
-        <a:xfrm>
-          <a:off x="0" y="0"/>
-          <a:ext cx="0" cy="0"/>
-          <a:chOff x="0" y="0"/>
-          <a:chExt cx="0" cy="0"/>
-        </a:xfrm>
-      </p:grpSpPr>
-      <p:sp>
-        <p:nvSpPr>
-          <p:cNvPr id="2" name="Title 1">
-            <a:extLst>
-              <a:ext uri="{FF2B5EF4-FFF2-40B4-BE49-F238E27FC236}">
-                <a16:creationId xmlns:a16="http://schemas.microsoft.com/office/drawing/2014/main" id="{32619911-FBE2-4B2B-B954-D18E9A846DD6}"/>
-              </a:ext>
-            </a:extLst>
-          </p:cNvPr>
-          <p:cNvSpPr>
-            <a:spLocks noGrp="1"/>
-          </p:cNvSpPr>
-          <p:nvPr>
-            <p:ph type="title"/>
-          </p:nvPr>
-        </p:nvSpPr>
-        <p:spPr>
-          <a:xfrm>
-            <a:off x="284018" y="238139"/>
-            <a:ext cx="3820568" cy="2945403"/>
-          </a:xfrm>
-        </p:spPr>
-        <p:txBody>
-          <a:bodyPr/>
-          <a:lstStyle/>
-          <a:p>
-            <a:r>
-              <a:rPr lang="en-US" dirty="0"/>
-              <a:t>Salesforce Entity Relationship Diagram</a:t>
-            </a:r>
-          </a:p>
-        </p:txBody>
-      </p:sp>
-      <p:sp>
-        <p:nvSpPr>
-          <p:cNvPr id="3" name="Content Placeholder 2">
-            <a:extLst>
-              <a:ext uri="{FF2B5EF4-FFF2-40B4-BE49-F238E27FC236}">
-                <a16:creationId xmlns:a16="http://schemas.microsoft.com/office/drawing/2014/main" id="{A1F9CA15-9191-42B0-88A2-E0089097FD92}"/>
-              </a:ext>
-            </a:extLst>
-          </p:cNvPr>
-          <p:cNvSpPr>
-            <a:spLocks noGrp="1"/>
-          </p:cNvSpPr>
-          <p:nvPr>
-            <p:ph idx="1"/>
-          </p:nvPr>
-        </p:nvSpPr>
-        <p:spPr>
-          <a:xfrm>
-            <a:off x="284018" y="3074446"/>
-            <a:ext cx="3505200" cy="3026621"/>
-          </a:xfrm>
-        </p:spPr>
-        <p:txBody>
-          <a:bodyPr/>
-          <a:lstStyle/>
-          <a:p>
-            <a:pPr marL="0" indent="0">
-              <a:buNone/>
-            </a:pPr>
-            <a:r>
-              <a:rPr lang="en-US" b="1" dirty="0">
-                <a:solidFill>
-                  <a:schemeClr val="tx1">
-                    <a:lumMod val="65000"/>
-                    <a:lumOff val="35000"/>
-                  </a:schemeClr>
-                </a:solidFill>
-              </a:rPr>
-              <a:t>Two Parts to Joining:</a:t>
-            </a:r>
-          </a:p>
-          <a:p>
-            <a:pPr marL="514350" indent="-514350">
-              <a:buFont typeface="+mj-lt"/>
-              <a:buAutoNum type="arabicPeriod"/>
-            </a:pPr>
-            <a:r>
-              <a:rPr lang="en-US" dirty="0">
-                <a:solidFill>
-                  <a:schemeClr val="tx1">
-                    <a:lumMod val="65000"/>
-                    <a:lumOff val="35000"/>
-                  </a:schemeClr>
-                </a:solidFill>
-              </a:rPr>
-              <a:t>Knowing tables, fields, and key connections</a:t>
-            </a:r>
-          </a:p>
-          <a:p>
-            <a:pPr marL="514350" indent="-514350">
-              <a:buFont typeface="+mj-lt"/>
-              <a:buAutoNum type="arabicPeriod"/>
-            </a:pPr>
-            <a:r>
-              <a:rPr lang="en-US" dirty="0">
-                <a:solidFill>
-                  <a:schemeClr val="tx1">
-                    <a:lumMod val="65000"/>
-                    <a:lumOff val="35000"/>
-                  </a:schemeClr>
-                </a:solidFill>
-              </a:rPr>
-              <a:t>Joining </a:t>
-            </a:r>
-          </a:p>
-        </p:txBody>
-      </p:sp>
-      <p:pic>
-        <p:nvPicPr>
-          <p:cNvPr id="1026" name="Picture 2" descr="ERD of product and schedule objects">
-            <a:extLst>
-              <a:ext uri="{FF2B5EF4-FFF2-40B4-BE49-F238E27FC236}">
-                <a16:creationId xmlns:a16="http://schemas.microsoft.com/office/drawing/2014/main" id="{87BF0AE1-61D9-45B8-A711-404F5362A903}"/>
-              </a:ext>
-            </a:extLst>
-          </p:cNvPr>
-          <p:cNvPicPr>
-            <a:picLocks noChangeAspect="1" noChangeArrowheads="1"/>
-          </p:cNvPicPr>
-          <p:nvPr/>
-        </p:nvPicPr>
-        <p:blipFill>
-          <a:blip r:embed="rId3">
-            <a:extLst>
-              <a:ext uri="{28A0092B-C50C-407E-A947-70E740481C1C}">
-                <a14:useLocalDpi xmlns:a14="http://schemas.microsoft.com/office/drawing/2010/main" val="0"/>
-              </a:ext>
-            </a:extLst>
-          </a:blip>
-          <a:srcRect/>
-          <a:stretch>
-            <a:fillRect/>
-          </a:stretch>
-        </p:blipFill>
-        <p:spPr bwMode="auto">
-          <a:xfrm>
-            <a:off x="3899999" y="238139"/>
-            <a:ext cx="8038956" cy="6290430"/>
-          </a:xfrm>
-          <a:prstGeom prst="rect">
-            <a:avLst/>
-          </a:prstGeom>
-          <a:noFill/>
-          <a:extLst>
-            <a:ext uri="{909E8E84-426E-40DD-AFC4-6F175D3DCCD1}">
-              <a14:hiddenFill xmlns:a14="http://schemas.microsoft.com/office/drawing/2010/main">
-                <a:solidFill>
-                  <a:srgbClr val="FFFFFF"/>
-                </a:solidFill>
-              </a14:hiddenFill>
-            </a:ext>
-          </a:extLst>
-        </p:spPr>
-      </p:pic>
-      <p:sp>
-        <p:nvSpPr>
-          <p:cNvPr id="4" name="Rectangle 3">
-            <a:extLst>
-              <a:ext uri="{FF2B5EF4-FFF2-40B4-BE49-F238E27FC236}">
-                <a16:creationId xmlns:a16="http://schemas.microsoft.com/office/drawing/2014/main" id="{019443BD-B4CE-4AFC-B1D1-C07FCCBED1F7}"/>
-              </a:ext>
-            </a:extLst>
-          </p:cNvPr>
-          <p:cNvSpPr/>
-          <p:nvPr/>
-        </p:nvSpPr>
-        <p:spPr>
-          <a:xfrm>
-            <a:off x="6615546" y="6295844"/>
-            <a:ext cx="6037118" cy="261610"/>
-          </a:xfrm>
-          <a:prstGeom prst="rect">
-            <a:avLst/>
-          </a:prstGeom>
-        </p:spPr>
-        <p:txBody>
-          <a:bodyPr wrap="square">
-            <a:spAutoFit/>
-          </a:bodyPr>
-          <a:lstStyle/>
-          <a:p>
-            <a:r>
-              <a:rPr lang="en-US" sz="1100" dirty="0">
-                <a:solidFill>
-                  <a:schemeClr val="tx1">
-                    <a:lumMod val="50000"/>
-                    <a:lumOff val="50000"/>
-                  </a:schemeClr>
-                </a:solidFill>
-              </a:rPr>
-              <a:t>https://developer.salesforce.com/docs/atlas.en-us.api.meta/api/sforce_api_erd_products.htm</a:t>
-            </a:r>
-          </a:p>
-        </p:txBody>
-      </p:sp>
-      <p:sp>
-        <p:nvSpPr>
-          <p:cNvPr id="5" name="Flowchart: Process 4">
-            <a:hlinkClick r:id="rId4"/>
-            <a:extLst>
-              <a:ext uri="{FF2B5EF4-FFF2-40B4-BE49-F238E27FC236}">
-                <a16:creationId xmlns:a16="http://schemas.microsoft.com/office/drawing/2014/main" id="{2A1C9A82-8F60-4893-889D-D920817DD4B2}"/>
-              </a:ext>
-            </a:extLst>
-          </p:cNvPr>
-          <p:cNvSpPr/>
-          <p:nvPr/>
-        </p:nvSpPr>
-        <p:spPr>
-          <a:xfrm>
-            <a:off x="6677890" y="6295843"/>
-            <a:ext cx="5604163" cy="261611"/>
-          </a:xfrm>
-          <a:prstGeom prst="flowChartProcess">
-            <a:avLst/>
-          </a:prstGeom>
-          <a:noFill/>
-          <a:ln>
-            <a:noFill/>
-          </a:ln>
-        </p:spPr>
-        <p:style>
-          <a:lnRef idx="2">
-            <a:schemeClr val="accent1">
-              <a:shade val="50000"/>
-            </a:schemeClr>
-          </a:lnRef>
-          <a:fillRef idx="1">
-            <a:schemeClr val="accent1"/>
-          </a:fillRef>
-          <a:effectRef idx="0">
-            <a:schemeClr val="accent1"/>
-          </a:effectRef>
-          <a:fontRef idx="minor">
-            <a:schemeClr val="lt1"/>
-          </a:fontRef>
-        </p:style>
-        <p:txBody>
-          <a:bodyPr rtlCol="0" anchor="ctr"/>
-          <a:lstStyle/>
-          <a:p>
-            <a:pPr algn="ctr"/>
-            <a:endParaRPr lang="en-US" dirty="0"/>
-          </a:p>
-        </p:txBody>
-      </p:sp>
-      <p:pic>
-        <p:nvPicPr>
-          <p:cNvPr id="6" name="Picture 5">
-            <a:extLst>
-              <a:ext uri="{FF2B5EF4-FFF2-40B4-BE49-F238E27FC236}">
-                <a16:creationId xmlns:a16="http://schemas.microsoft.com/office/drawing/2014/main" id="{6A228AE4-1359-4884-85FB-E6961065EBA4}"/>
-              </a:ext>
-            </a:extLst>
-          </p:cNvPr>
-          <p:cNvPicPr>
-            <a:picLocks noChangeAspect="1"/>
-          </p:cNvPicPr>
-          <p:nvPr/>
-        </p:nvPicPr>
-        <p:blipFill>
-          <a:blip r:embed="rId5"/>
-          <a:stretch>
-            <a:fillRect/>
-          </a:stretch>
-        </p:blipFill>
-        <p:spPr>
-          <a:xfrm>
-            <a:off x="349798" y="6019849"/>
-            <a:ext cx="2793225" cy="334924"/>
-          </a:xfrm>
-          <a:prstGeom prst="rect">
-            <a:avLst/>
-          </a:prstGeom>
-        </p:spPr>
-      </p:pic>
-      <p:sp>
-        <p:nvSpPr>
-          <p:cNvPr id="7" name="TextBox 6">
-            <a:extLst>
-              <a:ext uri="{FF2B5EF4-FFF2-40B4-BE49-F238E27FC236}">
-                <a16:creationId xmlns:a16="http://schemas.microsoft.com/office/drawing/2014/main" id="{49D022F0-FA8E-4E48-B286-63C059832EE0}"/>
-              </a:ext>
-            </a:extLst>
-          </p:cNvPr>
-          <p:cNvSpPr txBox="1"/>
-          <p:nvPr/>
-        </p:nvSpPr>
-        <p:spPr>
-          <a:xfrm>
-            <a:off x="1988126" y="5520162"/>
-            <a:ext cx="637309" cy="369332"/>
-          </a:xfrm>
-          <a:prstGeom prst="rect">
-            <a:avLst/>
-          </a:prstGeom>
-          <a:noFill/>
-        </p:spPr>
-        <p:txBody>
-          <a:bodyPr wrap="square" rtlCol="0">
-            <a:spAutoFit/>
-          </a:bodyPr>
-          <a:lstStyle/>
-          <a:p>
-            <a:r>
-              <a:rPr lang="en-US" b="1" dirty="0"/>
-              <a:t>1</a:t>
-            </a:r>
-          </a:p>
-        </p:txBody>
-      </p:sp>
-      <p:sp>
-        <p:nvSpPr>
-          <p:cNvPr id="9" name="TextBox 8">
-            <a:extLst>
-              <a:ext uri="{FF2B5EF4-FFF2-40B4-BE49-F238E27FC236}">
-                <a16:creationId xmlns:a16="http://schemas.microsoft.com/office/drawing/2014/main" id="{7B5F8646-BDAE-4823-A114-36713DBE378F}"/>
-              </a:ext>
-            </a:extLst>
-          </p:cNvPr>
-          <p:cNvSpPr txBox="1"/>
-          <p:nvPr/>
-        </p:nvSpPr>
-        <p:spPr>
-          <a:xfrm>
-            <a:off x="538683" y="5520162"/>
-            <a:ext cx="637309" cy="369332"/>
-          </a:xfrm>
-          <a:prstGeom prst="rect">
-            <a:avLst/>
-          </a:prstGeom>
-          <a:noFill/>
-        </p:spPr>
-        <p:txBody>
-          <a:bodyPr wrap="square" rtlCol="0">
-            <a:spAutoFit/>
-          </a:bodyPr>
-          <a:lstStyle/>
-          <a:p>
-            <a:r>
-              <a:rPr lang="en-US" b="1" dirty="0"/>
-              <a:t>2</a:t>
-            </a:r>
-          </a:p>
-        </p:txBody>
-      </p:sp>
-      <p:sp>
-        <p:nvSpPr>
-          <p:cNvPr id="10" name="Rectangle 9">
-            <a:extLst>
-              <a:ext uri="{FF2B5EF4-FFF2-40B4-BE49-F238E27FC236}">
-                <a16:creationId xmlns:a16="http://schemas.microsoft.com/office/drawing/2014/main" id="{759253E8-F0BD-4DC0-B911-9CFED266A133}"/>
-              </a:ext>
-            </a:extLst>
-          </p:cNvPr>
-          <p:cNvSpPr/>
-          <p:nvPr/>
-        </p:nvSpPr>
-        <p:spPr>
-          <a:xfrm>
-            <a:off x="6615546" y="6596390"/>
-            <a:ext cx="6099462" cy="261610"/>
-          </a:xfrm>
-          <a:prstGeom prst="rect">
-            <a:avLst/>
-          </a:prstGeom>
-        </p:spPr>
-        <p:txBody>
-          <a:bodyPr wrap="square">
-            <a:spAutoFit/>
-          </a:bodyPr>
-          <a:lstStyle/>
-          <a:p>
-            <a:r>
-              <a:rPr lang="en-US" sz="1100" dirty="0">
-                <a:solidFill>
-                  <a:schemeClr val="tx1">
-                    <a:lumMod val="50000"/>
-                    <a:lumOff val="50000"/>
-                  </a:schemeClr>
-                </a:solidFill>
-              </a:rPr>
-              <a:t>https://resources.docs.salesforce.com/212/latest/en-us/sfdc/pdf/apex_api.pdf</a:t>
-            </a:r>
-          </a:p>
-        </p:txBody>
-      </p:sp>
-      <p:sp>
-        <p:nvSpPr>
-          <p:cNvPr id="11" name="Flowchart: Process 10">
-            <a:hlinkClick r:id="rId6"/>
-            <a:extLst>
-              <a:ext uri="{FF2B5EF4-FFF2-40B4-BE49-F238E27FC236}">
-                <a16:creationId xmlns:a16="http://schemas.microsoft.com/office/drawing/2014/main" id="{D81660D3-9FA0-4BEE-A807-8C29BE855E9C}"/>
-              </a:ext>
-            </a:extLst>
-          </p:cNvPr>
-          <p:cNvSpPr/>
-          <p:nvPr/>
-        </p:nvSpPr>
-        <p:spPr>
-          <a:xfrm>
-            <a:off x="6615546" y="6590275"/>
-            <a:ext cx="5604163" cy="261611"/>
-          </a:xfrm>
-          <a:prstGeom prst="flowChartProcess">
-            <a:avLst/>
-          </a:prstGeom>
-          <a:noFill/>
-          <a:ln>
-            <a:noFill/>
-          </a:ln>
-        </p:spPr>
-        <p:style>
-          <a:lnRef idx="2">
-            <a:schemeClr val="accent1">
-              <a:shade val="50000"/>
-            </a:schemeClr>
-          </a:lnRef>
-          <a:fillRef idx="1">
-            <a:schemeClr val="accent1"/>
-          </a:fillRef>
-          <a:effectRef idx="0">
-            <a:schemeClr val="accent1"/>
-          </a:effectRef>
-          <a:fontRef idx="minor">
-            <a:schemeClr val="lt1"/>
-          </a:fontRef>
-        </p:style>
-        <p:txBody>
-          <a:bodyPr rtlCol="0" anchor="ctr"/>
-          <a:lstStyle/>
-          <a:p>
-            <a:pPr algn="ctr"/>
-            <a:endParaRPr lang="en-US" dirty="0"/>
-          </a:p>
-        </p:txBody>
-      </p:sp>
-      <p:sp>
-        <p:nvSpPr>
-          <p:cNvPr id="8" name="Arrow: Right 7">
-            <a:extLst>
-              <a:ext uri="{FF2B5EF4-FFF2-40B4-BE49-F238E27FC236}">
-                <a16:creationId xmlns:a16="http://schemas.microsoft.com/office/drawing/2014/main" id="{474939DB-FCEE-4951-A173-70B9DD1BFAFA}"/>
-              </a:ext>
-            </a:extLst>
-          </p:cNvPr>
-          <p:cNvSpPr/>
-          <p:nvPr/>
-        </p:nvSpPr>
-        <p:spPr>
-          <a:xfrm rot="5400000">
-            <a:off x="575700" y="5852258"/>
-            <a:ext cx="207819" cy="127364"/>
-          </a:xfrm>
-          <a:prstGeom prst="rightArrow">
-            <a:avLst/>
-          </a:prstGeom>
-        </p:spPr>
-        <p:style>
-          <a:lnRef idx="2">
-            <a:schemeClr val="accent3">
-              <a:shade val="50000"/>
-            </a:schemeClr>
-          </a:lnRef>
-          <a:fillRef idx="1">
-            <a:schemeClr val="accent3"/>
-          </a:fillRef>
-          <a:effectRef idx="0">
-            <a:schemeClr val="accent3"/>
-          </a:effectRef>
-          <a:fontRef idx="minor">
-            <a:schemeClr val="lt1"/>
-          </a:fontRef>
-        </p:style>
-        <p:txBody>
-          <a:bodyPr rtlCol="0" anchor="ctr"/>
-          <a:lstStyle/>
-          <a:p>
-            <a:pPr algn="ctr"/>
-            <a:endParaRPr lang="en-US" dirty="0"/>
-          </a:p>
-        </p:txBody>
-      </p:sp>
-      <p:sp>
-        <p:nvSpPr>
-          <p:cNvPr id="13" name="Arrow: Right 12">
-            <a:extLst>
-              <a:ext uri="{FF2B5EF4-FFF2-40B4-BE49-F238E27FC236}">
-                <a16:creationId xmlns:a16="http://schemas.microsoft.com/office/drawing/2014/main" id="{577BC5F6-8680-4CD4-877E-4CA86CF56EA0}"/>
-              </a:ext>
-            </a:extLst>
-          </p:cNvPr>
-          <p:cNvSpPr/>
-          <p:nvPr/>
-        </p:nvSpPr>
-        <p:spPr>
-          <a:xfrm rot="5400000">
-            <a:off x="2034981" y="5852258"/>
-            <a:ext cx="207819" cy="127364"/>
-          </a:xfrm>
-          <a:prstGeom prst="rightArrow">
-            <a:avLst/>
-          </a:prstGeom>
-        </p:spPr>
-        <p:style>
-          <a:lnRef idx="2">
-            <a:schemeClr val="accent3">
-              <a:shade val="50000"/>
-            </a:schemeClr>
-          </a:lnRef>
-          <a:fillRef idx="1">
-            <a:schemeClr val="accent3"/>
-          </a:fillRef>
-          <a:effectRef idx="0">
-            <a:schemeClr val="accent3"/>
-          </a:effectRef>
-          <a:fontRef idx="minor">
-            <a:schemeClr val="lt1"/>
-          </a:fontRef>
-        </p:style>
-        <p:txBody>
-          <a:bodyPr rtlCol="0" anchor="ctr"/>
-          <a:lstStyle/>
-          <a:p>
-            <a:pPr algn="ctr"/>
-            <a:endParaRPr lang="en-US" dirty="0"/>
-          </a:p>
-        </p:txBody>
-      </p:sp>
-    </p:spTree>
-    <p:extLst>
-      <p:ext uri="{BB962C8B-B14F-4D97-AF65-F5344CB8AC3E}">
-        <p14:creationId xmlns:p14="http://schemas.microsoft.com/office/powerpoint/2010/main" val="257962793"/>
-      </p:ext>
-    </p:extLst>
-  </p:cSld>
-  <p:clrMapOvr>
-    <a:masterClrMapping/>
-  </p:clrMapOvr>
-  <p:timing>
-    <p:tnLst>
-      <p:par>
-        <p:cTn id="1" dur="indefinite" restart="never" nodeType="tmRoot">
-          <p:childTnLst>
-            <p:seq concurrent="1" nextAc="seek">
-              <p:cTn id="2" dur="indefinite" nodeType="mainSeq">
-                <p:childTnLst>
-                  <p:par>
-                    <p:cTn id="3" fill="hold">
-                      <p:stCondLst>
-                        <p:cond delay="indefinite"/>
-                      </p:stCondLst>
-                      <p:childTnLst>
-                        <p:par>
-                          <p:cTn id="4" fill="hold">
-                            <p:stCondLst>
-                              <p:cond delay="0"/>
-                            </p:stCondLst>
-                            <p:childTnLst>
-                              <p:par>
-                                <p:cTn id="5" presetID="1" presetClass="entr" presetSubtype="0" fill="hold" grpId="0" nodeType="clickEffect">
-                                  <p:stCondLst>
-                                    <p:cond delay="0"/>
-                                  </p:stCondLst>
-                                  <p:childTnLst>
-                                    <p:set>
-                                      <p:cBhvr>
-                                        <p:cTn id="6" dur="1" fill="hold">
-                                          <p:stCondLst>
-                                            <p:cond delay="0"/>
-                                          </p:stCondLst>
-                                        </p:cTn>
-                                        <p:tgtEl>
-                                          <p:spTgt spid="3">
-                                            <p:txEl>
-                                              <p:pRg st="0" end="0"/>
-                                            </p:txEl>
-                                          </p:spTgt>
-                                        </p:tgtEl>
-                                        <p:attrNameLst>
-                                          <p:attrName>style.visibility</p:attrName>
-                                        </p:attrNameLst>
-                                      </p:cBhvr>
-                                      <p:to>
-                                        <p:strVal val="visible"/>
-                                      </p:to>
-                                    </p:set>
-                                  </p:childTnLst>
-                                </p:cTn>
-                              </p:par>
-                              <p:par>
-                                <p:cTn id="7" presetID="1" presetClass="entr" presetSubtype="0" fill="hold" grpId="0" nodeType="withEffect">
-                                  <p:stCondLst>
-                                    <p:cond delay="0"/>
-                                  </p:stCondLst>
-                                  <p:childTnLst>
-                                    <p:set>
-                                      <p:cBhvr>
-                                        <p:cTn id="8" dur="1" fill="hold">
-                                          <p:stCondLst>
-                                            <p:cond delay="0"/>
-                                          </p:stCondLst>
-                                        </p:cTn>
-                                        <p:tgtEl>
-                                          <p:spTgt spid="3">
-                                            <p:txEl>
-                                              <p:pRg st="1" end="1"/>
-                                            </p:txEl>
-                                          </p:spTgt>
-                                        </p:tgtEl>
-                                        <p:attrNameLst>
-                                          <p:attrName>style.visibility</p:attrName>
-                                        </p:attrNameLst>
-                                      </p:cBhvr>
-                                      <p:to>
-                                        <p:strVal val="visible"/>
-                                      </p:to>
-                                    </p:set>
-                                  </p:childTnLst>
-                                </p:cTn>
-                              </p:par>
-                              <p:par>
-                                <p:cTn id="9" presetID="1" presetClass="entr" presetSubtype="0" fill="hold" grpId="0" nodeType="withEffect">
-                                  <p:stCondLst>
-                                    <p:cond delay="0"/>
-                                  </p:stCondLst>
-                                  <p:childTnLst>
-                                    <p:set>
-                                      <p:cBhvr>
-                                        <p:cTn id="10" dur="1" fill="hold">
-                                          <p:stCondLst>
-                                            <p:cond delay="0"/>
-                                          </p:stCondLst>
-                                        </p:cTn>
-                                        <p:tgtEl>
-                                          <p:spTgt spid="3">
-                                            <p:txEl>
-                                              <p:pRg st="2" end="2"/>
-                                            </p:txEl>
-                                          </p:spTgt>
-                                        </p:tgtEl>
-                                        <p:attrNameLst>
-                                          <p:attrName>style.visibility</p:attrName>
-                                        </p:attrNameLst>
-                                      </p:cBhvr>
-                                      <p:to>
-                                        <p:strVal val="visible"/>
-                                      </p:to>
-                                    </p:set>
-                                  </p:childTnLst>
-                                </p:cTn>
-                              </p:par>
-                            </p:childTnLst>
-                          </p:cTn>
-                        </p:par>
-                      </p:childTnLst>
-                    </p:cTn>
-                  </p:par>
-                  <p:par>
-                    <p:cTn id="11" fill="hold">
-                      <p:stCondLst>
-                        <p:cond delay="indefinite"/>
-                      </p:stCondLst>
-                      <p:childTnLst>
-                        <p:par>
-                          <p:cTn id="12" fill="hold">
-                            <p:stCondLst>
-                              <p:cond delay="0"/>
-                            </p:stCondLst>
-                            <p:childTnLst>
-                              <p:par>
-                                <p:cTn id="13" presetID="1" presetClass="entr" presetSubtype="0" fill="hold" nodeType="clickEffect">
-                                  <p:stCondLst>
-                                    <p:cond delay="0"/>
-                                  </p:stCondLst>
-                                  <p:childTnLst>
-                                    <p:set>
-                                      <p:cBhvr>
-                                        <p:cTn id="14" dur="1" fill="hold">
-                                          <p:stCondLst>
-                                            <p:cond delay="0"/>
-                                          </p:stCondLst>
-                                        </p:cTn>
-                                        <p:tgtEl>
-                                          <p:spTgt spid="6"/>
-                                        </p:tgtEl>
-                                        <p:attrNameLst>
-                                          <p:attrName>style.visibility</p:attrName>
-                                        </p:attrNameLst>
-                                      </p:cBhvr>
-                                      <p:to>
-                                        <p:strVal val="visible"/>
-                                      </p:to>
-                                    </p:set>
-                                  </p:childTnLst>
-                                </p:cTn>
-                              </p:par>
-                            </p:childTnLst>
-                          </p:cTn>
-                        </p:par>
-                      </p:childTnLst>
-                    </p:cTn>
-                  </p:par>
-                  <p:par>
-                    <p:cTn id="15" fill="hold">
-                      <p:stCondLst>
-                        <p:cond delay="indefinite"/>
-                      </p:stCondLst>
-                      <p:childTnLst>
-                        <p:par>
-                          <p:cTn id="16" fill="hold">
-                            <p:stCondLst>
-                              <p:cond delay="0"/>
-                            </p:stCondLst>
-                            <p:childTnLst>
-                              <p:par>
-                                <p:cTn id="17" presetID="1" presetClass="entr" presetSubtype="0" fill="hold" grpId="0" nodeType="clickEffect">
-                                  <p:stCondLst>
-                                    <p:cond delay="0"/>
-                                  </p:stCondLst>
-                                  <p:childTnLst>
-                                    <p:set>
-                                      <p:cBhvr>
-                                        <p:cTn id="18" dur="1" fill="hold">
-                                          <p:stCondLst>
-                                            <p:cond delay="0"/>
-                                          </p:stCondLst>
-                                        </p:cTn>
-                                        <p:tgtEl>
-                                          <p:spTgt spid="9"/>
-                                        </p:tgtEl>
-                                        <p:attrNameLst>
-                                          <p:attrName>style.visibility</p:attrName>
-                                        </p:attrNameLst>
-                                      </p:cBhvr>
-                                      <p:to>
-                                        <p:strVal val="visible"/>
-                                      </p:to>
-                                    </p:set>
-                                  </p:childTnLst>
-                                </p:cTn>
-                              </p:par>
-                              <p:par>
-                                <p:cTn id="19" presetID="1" presetClass="entr" presetSubtype="0" fill="hold" grpId="0" nodeType="withEffect">
-                                  <p:stCondLst>
-                                    <p:cond delay="0"/>
-                                  </p:stCondLst>
-                                  <p:childTnLst>
-                                    <p:set>
-                                      <p:cBhvr>
-                                        <p:cTn id="20" dur="1" fill="hold">
-                                          <p:stCondLst>
-                                            <p:cond delay="0"/>
-                                          </p:stCondLst>
-                                        </p:cTn>
-                                        <p:tgtEl>
-                                          <p:spTgt spid="7"/>
-                                        </p:tgtEl>
-                                        <p:attrNameLst>
-                                          <p:attrName>style.visibility</p:attrName>
-                                        </p:attrNameLst>
-                                      </p:cBhvr>
-                                      <p:to>
-                                        <p:strVal val="visible"/>
-                                      </p:to>
-                                    </p:set>
-                                  </p:childTnLst>
-                                </p:cTn>
-                              </p:par>
-                              <p:par>
-                                <p:cTn id="21" presetID="1" presetClass="entr" presetSubtype="0" fill="hold" grpId="0" nodeType="withEffect">
-                                  <p:stCondLst>
-                                    <p:cond delay="0"/>
-                                  </p:stCondLst>
-                                  <p:childTnLst>
-                                    <p:set>
-                                      <p:cBhvr>
-                                        <p:cTn id="22" dur="1" fill="hold">
-                                          <p:stCondLst>
-                                            <p:cond delay="0"/>
-                                          </p:stCondLst>
-                                        </p:cTn>
-                                        <p:tgtEl>
-                                          <p:spTgt spid="13"/>
-                                        </p:tgtEl>
-                                        <p:attrNameLst>
-                                          <p:attrName>style.visibility</p:attrName>
-                                        </p:attrNameLst>
-                                      </p:cBhvr>
-                                      <p:to>
-                                        <p:strVal val="visible"/>
-                                      </p:to>
-                                    </p:set>
-                                  </p:childTnLst>
-                                </p:cTn>
-                              </p:par>
-                              <p:par>
-                                <p:cTn id="23" presetID="1" presetClass="entr" presetSubtype="0" fill="hold" grpId="0" nodeType="withEffect">
-                                  <p:stCondLst>
-                                    <p:cond delay="0"/>
-                                  </p:stCondLst>
-                                  <p:childTnLst>
-                                    <p:set>
-                                      <p:cBhvr>
-                                        <p:cTn id="24" dur="1" fill="hold">
-                                          <p:stCondLst>
-                                            <p:cond delay="0"/>
-                                          </p:stCondLst>
-                                        </p:cTn>
-                                        <p:tgtEl>
-                                          <p:spTgt spid="8"/>
-                                        </p:tgtEl>
-                                        <p:attrNameLst>
-                                          <p:attrName>style.visibility</p:attrName>
-                                        </p:attrNameLst>
-                                      </p:cBhvr>
-                                      <p:to>
-                                        <p:strVal val="visible"/>
-                                      </p:to>
-                                    </p:set>
-                                  </p:childTnLst>
-                                </p:cTn>
-                              </p:par>
-                            </p:childTnLst>
-                          </p:cTn>
-                        </p:par>
-                      </p:childTnLst>
-                    </p:cTn>
-                  </p:par>
-                </p:childTnLst>
-              </p:cTn>
-              <p:prevCondLst>
-                <p:cond evt="onPrev" delay="0">
-                  <p:tgtEl>
-                    <p:sldTgt/>
-                  </p:tgtEl>
-                </p:cond>
-              </p:prevCondLst>
-              <p:nextCondLst>
-                <p:cond evt="onNext" delay="0">
-                  <p:tgtEl>
-                    <p:sldTgt/>
-                  </p:tgtEl>
-                </p:cond>
-              </p:nextCondLst>
-            </p:seq>
-          </p:childTnLst>
-        </p:cTn>
-      </p:par>
-    </p:tnLst>
-    <p:bldLst>
-      <p:bldP spid="3" grpId="0" uiExpand="1" build="p"/>
-      <p:bldP spid="7" grpId="0"/>
-      <p:bldP spid="9" grpId="0"/>
-      <p:bldP spid="8" grpId="0" animBg="1"/>
-      <p:bldP spid="13" grpId="0" animBg="1"/>
-    </p:bldLst>
-  </p:timing>
-</p:sld>
-</file>
-
-<file path=ppt/slides/slide11.xml><?xml version="1.0" encoding="utf-8"?>
-<p:sld xmlns:a="http://schemas.openxmlformats.org/drawingml/2006/main" xmlns:r="http://schemas.openxmlformats.org/officeDocument/2006/relationships" xmlns:p="http://schemas.openxmlformats.org/presentationml/2006/main">
-  <p:cSld>
-    <p:spTree>
-      <p:nvGrpSpPr>
-        <p:cNvPr id="1" name=""/>
-        <p:cNvGrpSpPr/>
-        <p:nvPr/>
-      </p:nvGrpSpPr>
-      <p:grpSpPr>
-        <a:xfrm>
-          <a:off x="0" y="0"/>
-          <a:ext cx="0" cy="0"/>
-          <a:chOff x="0" y="0"/>
-          <a:chExt cx="0" cy="0"/>
-        </a:xfrm>
-      </p:grpSpPr>
-      <p:sp>
-        <p:nvSpPr>
-          <p:cNvPr id="2" name="Title 1">
-            <a:extLst>
-              <a:ext uri="{FF2B5EF4-FFF2-40B4-BE49-F238E27FC236}">
-                <a16:creationId xmlns:a16="http://schemas.microsoft.com/office/drawing/2014/main" id="{D6318E1D-431D-484B-B609-8E1F56E3827C}"/>
-              </a:ext>
-            </a:extLst>
-          </p:cNvPr>
-          <p:cNvSpPr>
-            <a:spLocks noGrp="1"/>
-          </p:cNvSpPr>
-          <p:nvPr>
-            <p:ph type="title"/>
-          </p:nvPr>
-        </p:nvSpPr>
-        <p:spPr>
-          <a:xfrm>
-            <a:off x="0" y="2369185"/>
-            <a:ext cx="12192000" cy="1325563"/>
-          </a:xfrm>
-        </p:spPr>
-        <p:txBody>
-          <a:bodyPr/>
-          <a:lstStyle/>
-          <a:p>
-            <a:pPr algn="ctr"/>
-            <a:r>
-              <a:rPr lang="en-US" dirty="0"/>
-              <a:t>Binds</a:t>
-            </a:r>
-          </a:p>
-        </p:txBody>
-      </p:sp>
-    </p:spTree>
-    <p:extLst>
-      <p:ext uri="{BB962C8B-B14F-4D97-AF65-F5344CB8AC3E}">
-        <p14:creationId xmlns:p14="http://schemas.microsoft.com/office/powerpoint/2010/main" val="147649935"/>
-      </p:ext>
-    </p:extLst>
-  </p:cSld>
-  <p:clrMapOvr>
-    <a:masterClrMapping/>
-  </p:clrMapOvr>
-</p:sld>
-</file>
-
-<file path=ppt/slides/slide12.xml><?xml version="1.0" encoding="utf-8"?>
 <p:sld xmlns:a="http://schemas.openxmlformats.org/drawingml/2006/main" xmlns:r="http://schemas.openxmlformats.org/officeDocument/2006/relationships" xmlns:p="http://schemas.openxmlformats.org/presentationml/2006/main">
   <p:cSld>
     <p:spTree>
@@ -7617,7 +6495,7 @@
 </p:sld>
 </file>
 
-<file path=ppt/slides/slide13.xml><?xml version="1.0" encoding="utf-8"?>
+<file path=ppt/slides/slide11.xml><?xml version="1.0" encoding="utf-8"?>
 <p:sld xmlns:a="http://schemas.openxmlformats.org/drawingml/2006/main" xmlns:r="http://schemas.openxmlformats.org/officeDocument/2006/relationships" xmlns:p="http://schemas.openxmlformats.org/presentationml/2006/main">
   <p:cSld>
     <p:spTree>
@@ -7991,7 +6869,7 @@
 </p:sld>
 </file>
 
-<file path=ppt/slides/slide14.xml><?xml version="1.0" encoding="utf-8"?>
+<file path=ppt/slides/slide12.xml><?xml version="1.0" encoding="utf-8"?>
 <p:sld xmlns:a="http://schemas.openxmlformats.org/drawingml/2006/main" xmlns:r="http://schemas.openxmlformats.org/officeDocument/2006/relationships" xmlns:p="http://schemas.openxmlformats.org/presentationml/2006/main" show="0">
   <p:cSld>
     <p:spTree>
@@ -10809,654 +9687,6 @@
 </file>
 
 <file path=ppt/slides/slide5.xml><?xml version="1.0" encoding="utf-8"?>
-<p:sld xmlns:a="http://schemas.openxmlformats.org/drawingml/2006/main" xmlns:r="http://schemas.openxmlformats.org/officeDocument/2006/relationships" xmlns:p="http://schemas.openxmlformats.org/presentationml/2006/main" show="0">
-  <p:cSld>
-    <p:spTree>
-      <p:nvGrpSpPr>
-        <p:cNvPr id="1" name=""/>
-        <p:cNvGrpSpPr/>
-        <p:nvPr/>
-      </p:nvGrpSpPr>
-      <p:grpSpPr>
-        <a:xfrm>
-          <a:off x="0" y="0"/>
-          <a:ext cx="0" cy="0"/>
-          <a:chOff x="0" y="0"/>
-          <a:chExt cx="0" cy="0"/>
-        </a:xfrm>
-      </p:grpSpPr>
-      <p:pic>
-        <p:nvPicPr>
-          <p:cNvPr id="11" name="Picture 10">
-            <a:extLst>
-              <a:ext uri="{FF2B5EF4-FFF2-40B4-BE49-F238E27FC236}">
-                <a16:creationId xmlns:a16="http://schemas.microsoft.com/office/drawing/2014/main" id="{0BA55E63-538A-4747-A354-45900272402E}"/>
-              </a:ext>
-            </a:extLst>
-          </p:cNvPr>
-          <p:cNvPicPr>
-            <a:picLocks noChangeAspect="1"/>
-          </p:cNvPicPr>
-          <p:nvPr/>
-        </p:nvPicPr>
-        <p:blipFill>
-          <a:blip r:embed="rId3">
-            <a:duotone>
-              <a:schemeClr val="accent2">
-                <a:shade val="45000"/>
-                <a:satMod val="135000"/>
-              </a:schemeClr>
-              <a:prstClr val="white"/>
-            </a:duotone>
-          </a:blip>
-          <a:stretch>
-            <a:fillRect/>
-          </a:stretch>
-        </p:blipFill>
-        <p:spPr>
-          <a:xfrm>
-            <a:off x="3516204" y="2994168"/>
-            <a:ext cx="1378887" cy="1329388"/>
-          </a:xfrm>
-          <a:prstGeom prst="rect">
-            <a:avLst/>
-          </a:prstGeom>
-        </p:spPr>
-      </p:pic>
-      <p:pic>
-        <p:nvPicPr>
-          <p:cNvPr id="12" name="Picture 11">
-            <a:extLst>
-              <a:ext uri="{FF2B5EF4-FFF2-40B4-BE49-F238E27FC236}">
-                <a16:creationId xmlns:a16="http://schemas.microsoft.com/office/drawing/2014/main" id="{74EC974C-BEE8-40AA-9CB2-3115C97FA101}"/>
-              </a:ext>
-            </a:extLst>
-          </p:cNvPr>
-          <p:cNvPicPr>
-            <a:picLocks noChangeAspect="1"/>
-          </p:cNvPicPr>
-          <p:nvPr/>
-        </p:nvPicPr>
-        <p:blipFill>
-          <a:blip r:embed="rId4"/>
-          <a:stretch>
-            <a:fillRect/>
-          </a:stretch>
-        </p:blipFill>
-        <p:spPr>
-          <a:xfrm>
-            <a:off x="4268089" y="2564129"/>
-            <a:ext cx="1540497" cy="1489409"/>
-          </a:xfrm>
-          <a:prstGeom prst="rect">
-            <a:avLst/>
-          </a:prstGeom>
-        </p:spPr>
-      </p:pic>
-      <p:pic>
-        <p:nvPicPr>
-          <p:cNvPr id="8" name="Picture 7">
-            <a:extLst>
-              <a:ext uri="{FF2B5EF4-FFF2-40B4-BE49-F238E27FC236}">
-                <a16:creationId xmlns:a16="http://schemas.microsoft.com/office/drawing/2014/main" id="{52E7E3F4-609A-4A3D-B6B0-18CF9F8C0991}"/>
-              </a:ext>
-            </a:extLst>
-          </p:cNvPr>
-          <p:cNvPicPr>
-            <a:picLocks noChangeAspect="1"/>
-          </p:cNvPicPr>
-          <p:nvPr/>
-        </p:nvPicPr>
-        <p:blipFill>
-          <a:blip r:embed="rId5">
-            <a:extLst>
-              <a:ext uri="{28A0092B-C50C-407E-A947-70E740481C1C}">
-                <a14:useLocalDpi xmlns:a14="http://schemas.microsoft.com/office/drawing/2010/main" val="0"/>
-              </a:ext>
-            </a:extLst>
-          </a:blip>
-          <a:stretch>
-            <a:fillRect/>
-          </a:stretch>
-        </p:blipFill>
-        <p:spPr>
-          <a:xfrm>
-            <a:off x="0" y="12228"/>
-            <a:ext cx="1543050" cy="1543050"/>
-          </a:xfrm>
-          <a:prstGeom prst="rect">
-            <a:avLst/>
-          </a:prstGeom>
-        </p:spPr>
-      </p:pic>
-      <p:pic>
-        <p:nvPicPr>
-          <p:cNvPr id="15" name="Picture 14">
-            <a:extLst>
-              <a:ext uri="{FF2B5EF4-FFF2-40B4-BE49-F238E27FC236}">
-                <a16:creationId xmlns:a16="http://schemas.microsoft.com/office/drawing/2014/main" id="{2756FBD0-391C-41A3-BB0F-FE8CA825725E}"/>
-              </a:ext>
-            </a:extLst>
-          </p:cNvPr>
-          <p:cNvPicPr>
-            <a:picLocks noChangeAspect="1"/>
-          </p:cNvPicPr>
-          <p:nvPr/>
-        </p:nvPicPr>
-        <p:blipFill>
-          <a:blip r:embed="rId3">
-            <a:duotone>
-              <a:schemeClr val="accent6">
-                <a:shade val="45000"/>
-                <a:satMod val="135000"/>
-              </a:schemeClr>
-              <a:prstClr val="white"/>
-            </a:duotone>
-          </a:blip>
-          <a:stretch>
-            <a:fillRect/>
-          </a:stretch>
-        </p:blipFill>
-        <p:spPr>
-          <a:xfrm>
-            <a:off x="5458066" y="3626243"/>
-            <a:ext cx="1378887" cy="1329388"/>
-          </a:xfrm>
-          <a:prstGeom prst="rect">
-            <a:avLst/>
-          </a:prstGeom>
-        </p:spPr>
-      </p:pic>
-      <p:sp>
-        <p:nvSpPr>
-          <p:cNvPr id="5" name="Speech Bubble: Rectangle with Corners Rounded 4">
-            <a:extLst>
-              <a:ext uri="{FF2B5EF4-FFF2-40B4-BE49-F238E27FC236}">
-                <a16:creationId xmlns:a16="http://schemas.microsoft.com/office/drawing/2014/main" id="{748712EF-0B5E-4B07-8B9D-2D72141C2A95}"/>
-              </a:ext>
-            </a:extLst>
-          </p:cNvPr>
-          <p:cNvSpPr/>
-          <p:nvPr/>
-        </p:nvSpPr>
-        <p:spPr>
-          <a:xfrm>
-            <a:off x="1892319" y="177665"/>
-            <a:ext cx="3780771" cy="1482126"/>
-          </a:xfrm>
-          <a:prstGeom prst="wedgeRoundRectCallout">
-            <a:avLst>
-              <a:gd name="adj1" fmla="val -75090"/>
-              <a:gd name="adj2" fmla="val -3102"/>
-              <a:gd name="adj3" fmla="val 16667"/>
-            </a:avLst>
-          </a:prstGeom>
-          <a:solidFill>
-            <a:schemeClr val="bg1"/>
-          </a:solidFill>
-          <a:ln>
-            <a:solidFill>
-              <a:schemeClr val="bg1">
-                <a:lumMod val="75000"/>
-              </a:schemeClr>
-            </a:solidFill>
-          </a:ln>
-        </p:spPr>
-        <p:style>
-          <a:lnRef idx="2">
-            <a:schemeClr val="accent1">
-              <a:shade val="50000"/>
-            </a:schemeClr>
-          </a:lnRef>
-          <a:fillRef idx="1">
-            <a:schemeClr val="accent1"/>
-          </a:fillRef>
-          <a:effectRef idx="0">
-            <a:schemeClr val="accent1"/>
-          </a:effectRef>
-          <a:fontRef idx="minor">
-            <a:schemeClr val="lt1"/>
-          </a:fontRef>
-        </p:style>
-        <p:txBody>
-          <a:bodyPr rtlCol="0" anchor="ctr"/>
-          <a:lstStyle/>
-          <a:p>
-            <a:pPr algn="ctr"/>
-            <a:endParaRPr lang="en-US" dirty="0"/>
-          </a:p>
-        </p:txBody>
-      </p:sp>
-      <p:sp>
-        <p:nvSpPr>
-          <p:cNvPr id="2" name="Title 1">
-            <a:extLst>
-              <a:ext uri="{FF2B5EF4-FFF2-40B4-BE49-F238E27FC236}">
-                <a16:creationId xmlns:a16="http://schemas.microsoft.com/office/drawing/2014/main" id="{7A69AFC7-AC26-4691-B19B-5E98D075DEB4}"/>
-              </a:ext>
-            </a:extLst>
-          </p:cNvPr>
-          <p:cNvSpPr>
-            <a:spLocks noGrp="1"/>
-          </p:cNvSpPr>
-          <p:nvPr>
-            <p:ph type="title"/>
-          </p:nvPr>
-        </p:nvSpPr>
-        <p:spPr>
-          <a:xfrm>
-            <a:off x="1892319" y="278178"/>
-            <a:ext cx="3963652" cy="1381613"/>
-          </a:xfrm>
-        </p:spPr>
-        <p:txBody>
-          <a:bodyPr>
-            <a:noAutofit/>
-          </a:bodyPr>
-          <a:lstStyle/>
-          <a:p>
-            <a:r>
-              <a:rPr lang="en-US" sz="3300" b="1" dirty="0">
-                <a:solidFill>
-                  <a:schemeClr val="tx1">
-                    <a:lumMod val="95000"/>
-                    <a:lumOff val="5000"/>
-                  </a:schemeClr>
-                </a:solidFill>
-              </a:rPr>
-              <a:t>“</a:t>
-            </a:r>
-            <a:r>
-              <a:rPr lang="en-US" sz="3300" dirty="0">
-                <a:solidFill>
-                  <a:schemeClr val="tx1">
-                    <a:lumMod val="95000"/>
-                    <a:lumOff val="5000"/>
-                  </a:schemeClr>
-                </a:solidFill>
-              </a:rPr>
-              <a:t>Relational data isn’t written for humans</a:t>
-            </a:r>
-            <a:r>
-              <a:rPr lang="en-US" sz="3300" b="1" dirty="0">
-                <a:solidFill>
-                  <a:schemeClr val="tx1">
-                    <a:lumMod val="95000"/>
-                    <a:lumOff val="5000"/>
-                  </a:schemeClr>
-                </a:solidFill>
-              </a:rPr>
-              <a:t>.”</a:t>
-            </a:r>
-            <a:br>
-              <a:rPr lang="en-US" sz="3300" b="1" dirty="0">
-                <a:solidFill>
-                  <a:schemeClr val="tx1">
-                    <a:lumMod val="95000"/>
-                    <a:lumOff val="5000"/>
-                  </a:schemeClr>
-                </a:solidFill>
-              </a:rPr>
-            </a:br>
-            <a:r>
-              <a:rPr lang="en-US" sz="3300" dirty="0">
-                <a:solidFill>
-                  <a:schemeClr val="tx1">
-                    <a:lumMod val="95000"/>
-                    <a:lumOff val="5000"/>
-                  </a:schemeClr>
-                </a:solidFill>
-              </a:rPr>
-              <a:t>                       </a:t>
-            </a:r>
-            <a:r>
-              <a:rPr lang="en-US" sz="3300" dirty="0">
-                <a:solidFill>
-                  <a:schemeClr val="tx1">
-                    <a:lumMod val="50000"/>
-                    <a:lumOff val="50000"/>
-                  </a:schemeClr>
-                </a:solidFill>
-              </a:rPr>
-              <a:t>-Buddy-</a:t>
-            </a:r>
-          </a:p>
-        </p:txBody>
-      </p:sp>
-      <p:pic>
-        <p:nvPicPr>
-          <p:cNvPr id="10" name="Picture 9">
-            <a:extLst>
-              <a:ext uri="{FF2B5EF4-FFF2-40B4-BE49-F238E27FC236}">
-                <a16:creationId xmlns:a16="http://schemas.microsoft.com/office/drawing/2014/main" id="{C51558A5-B257-45D4-A86B-17F182E642DD}"/>
-              </a:ext>
-            </a:extLst>
-          </p:cNvPr>
-          <p:cNvPicPr>
-            <a:picLocks noChangeAspect="1"/>
-          </p:cNvPicPr>
-          <p:nvPr/>
-        </p:nvPicPr>
-        <p:blipFill>
-          <a:blip r:embed="rId3"/>
-          <a:stretch>
-            <a:fillRect/>
-          </a:stretch>
-        </p:blipFill>
-        <p:spPr>
-          <a:xfrm>
-            <a:off x="6417281" y="2868930"/>
-            <a:ext cx="1378887" cy="1329388"/>
-          </a:xfrm>
-          <a:prstGeom prst="rect">
-            <a:avLst/>
-          </a:prstGeom>
-        </p:spPr>
-      </p:pic>
-      <p:sp>
-        <p:nvSpPr>
-          <p:cNvPr id="13" name="TextBox 12">
-            <a:extLst>
-              <a:ext uri="{FF2B5EF4-FFF2-40B4-BE49-F238E27FC236}">
-                <a16:creationId xmlns:a16="http://schemas.microsoft.com/office/drawing/2014/main" id="{64B8AFB0-E3D4-46ED-9445-B504049BE58B}"/>
-              </a:ext>
-            </a:extLst>
-          </p:cNvPr>
-          <p:cNvSpPr txBox="1"/>
-          <p:nvPr/>
-        </p:nvSpPr>
-        <p:spPr>
-          <a:xfrm>
-            <a:off x="766098" y="5036820"/>
-            <a:ext cx="11302365" cy="769441"/>
-          </a:xfrm>
-          <a:prstGeom prst="rect">
-            <a:avLst/>
-          </a:prstGeom>
-          <a:noFill/>
-        </p:spPr>
-        <p:txBody>
-          <a:bodyPr wrap="square" rtlCol="0">
-            <a:spAutoFit/>
-          </a:bodyPr>
-          <a:lstStyle/>
-          <a:p>
-            <a:r>
-              <a:rPr lang="en-US" sz="4400" dirty="0"/>
-              <a:t>Data is often stored in multiple tables &amp; places</a:t>
-            </a:r>
-          </a:p>
-        </p:txBody>
-      </p:sp>
-      <p:pic>
-        <p:nvPicPr>
-          <p:cNvPr id="14" name="Picture 13">
-            <a:extLst>
-              <a:ext uri="{FF2B5EF4-FFF2-40B4-BE49-F238E27FC236}">
-                <a16:creationId xmlns:a16="http://schemas.microsoft.com/office/drawing/2014/main" id="{4402D923-26FB-4A3C-A411-03EC5F55307A}"/>
-              </a:ext>
-            </a:extLst>
-          </p:cNvPr>
-          <p:cNvPicPr>
-            <a:picLocks noChangeAspect="1"/>
-          </p:cNvPicPr>
-          <p:nvPr/>
-        </p:nvPicPr>
-        <p:blipFill>
-          <a:blip r:embed="rId3">
-            <a:duotone>
-              <a:schemeClr val="accent4">
-                <a:shade val="45000"/>
-                <a:satMod val="135000"/>
-              </a:schemeClr>
-              <a:prstClr val="white"/>
-            </a:duotone>
-          </a:blip>
-          <a:stretch>
-            <a:fillRect/>
-          </a:stretch>
-        </p:blipFill>
-        <p:spPr>
-          <a:xfrm>
-            <a:off x="7072601" y="2680885"/>
-            <a:ext cx="1378887" cy="1329388"/>
-          </a:xfrm>
-          <a:prstGeom prst="rect">
-            <a:avLst/>
-          </a:prstGeom>
-        </p:spPr>
-      </p:pic>
-      <p:cxnSp>
-        <p:nvCxnSpPr>
-          <p:cNvPr id="4" name="Straight Connector 3">
-            <a:extLst>
-              <a:ext uri="{FF2B5EF4-FFF2-40B4-BE49-F238E27FC236}">
-                <a16:creationId xmlns:a16="http://schemas.microsoft.com/office/drawing/2014/main" id="{E3CD7239-2C10-48F2-8DCF-FD0DCC7FB831}"/>
-              </a:ext>
-            </a:extLst>
-          </p:cNvPr>
-          <p:cNvCxnSpPr/>
-          <p:nvPr/>
-        </p:nvCxnSpPr>
-        <p:spPr>
-          <a:xfrm>
-            <a:off x="2604423" y="5129026"/>
-            <a:ext cx="1073169" cy="693319"/>
-          </a:xfrm>
-          <a:prstGeom prst="line">
-            <a:avLst/>
-          </a:prstGeom>
-          <a:ln w="28575">
-            <a:solidFill>
-              <a:srgbClr val="FF0000"/>
-            </a:solidFill>
-          </a:ln>
-        </p:spPr>
-        <p:style>
-          <a:lnRef idx="1">
-            <a:schemeClr val="accent1"/>
-          </a:lnRef>
-          <a:fillRef idx="0">
-            <a:schemeClr val="accent1"/>
-          </a:fillRef>
-          <a:effectRef idx="0">
-            <a:schemeClr val="accent1"/>
-          </a:effectRef>
-          <a:fontRef idx="minor">
-            <a:schemeClr val="tx1"/>
-          </a:fontRef>
-        </p:style>
-      </p:cxnSp>
-      <p:cxnSp>
-        <p:nvCxnSpPr>
-          <p:cNvPr id="16" name="Straight Connector 15">
-            <a:extLst>
-              <a:ext uri="{FF2B5EF4-FFF2-40B4-BE49-F238E27FC236}">
-                <a16:creationId xmlns:a16="http://schemas.microsoft.com/office/drawing/2014/main" id="{02CD9370-D0A9-41A9-8AC3-25B19E643D68}"/>
-              </a:ext>
-            </a:extLst>
-          </p:cNvPr>
-          <p:cNvCxnSpPr>
-            <a:cxnSpLocks/>
-          </p:cNvCxnSpPr>
-          <p:nvPr/>
-        </p:nvCxnSpPr>
-        <p:spPr>
-          <a:xfrm flipV="1">
-            <a:off x="2535843" y="5162058"/>
-            <a:ext cx="1097280" cy="541512"/>
-          </a:xfrm>
-          <a:prstGeom prst="line">
-            <a:avLst/>
-          </a:prstGeom>
-          <a:ln w="28575">
-            <a:solidFill>
-              <a:srgbClr val="FF0000"/>
-            </a:solidFill>
-          </a:ln>
-        </p:spPr>
-        <p:style>
-          <a:lnRef idx="1">
-            <a:schemeClr val="accent1"/>
-          </a:lnRef>
-          <a:fillRef idx="0">
-            <a:schemeClr val="accent1"/>
-          </a:fillRef>
-          <a:effectRef idx="0">
-            <a:schemeClr val="accent1"/>
-          </a:effectRef>
-          <a:fontRef idx="minor">
-            <a:schemeClr val="tx1"/>
-          </a:fontRef>
-        </p:style>
-      </p:cxnSp>
-    </p:spTree>
-    <p:extLst>
-      <p:ext uri="{BB962C8B-B14F-4D97-AF65-F5344CB8AC3E}">
-        <p14:creationId xmlns:p14="http://schemas.microsoft.com/office/powerpoint/2010/main" val="2695137063"/>
-      </p:ext>
-    </p:extLst>
-  </p:cSld>
-  <p:clrMapOvr>
-    <a:masterClrMapping/>
-  </p:clrMapOvr>
-  <p:timing>
-    <p:tnLst>
-      <p:par>
-        <p:cTn id="1" dur="indefinite" restart="never" nodeType="tmRoot">
-          <p:childTnLst>
-            <p:seq concurrent="1" nextAc="seek">
-              <p:cTn id="2" dur="indefinite" nodeType="mainSeq">
-                <p:childTnLst>
-                  <p:par>
-                    <p:cTn id="3" fill="hold">
-                      <p:stCondLst>
-                        <p:cond delay="indefinite"/>
-                      </p:stCondLst>
-                      <p:childTnLst>
-                        <p:par>
-                          <p:cTn id="4" fill="hold">
-                            <p:stCondLst>
-                              <p:cond delay="0"/>
-                            </p:stCondLst>
-                            <p:childTnLst>
-                              <p:par>
-                                <p:cTn id="5" presetID="1" presetClass="entr" presetSubtype="0" fill="hold" nodeType="clickEffect">
-                                  <p:stCondLst>
-                                    <p:cond delay="0"/>
-                                  </p:stCondLst>
-                                  <p:childTnLst>
-                                    <p:set>
-                                      <p:cBhvr>
-                                        <p:cTn id="6" dur="1" fill="hold">
-                                          <p:stCondLst>
-                                            <p:cond delay="0"/>
-                                          </p:stCondLst>
-                                        </p:cTn>
-                                        <p:tgtEl>
-                                          <p:spTgt spid="8"/>
-                                        </p:tgtEl>
-                                        <p:attrNameLst>
-                                          <p:attrName>style.visibility</p:attrName>
-                                        </p:attrNameLst>
-                                      </p:cBhvr>
-                                      <p:to>
-                                        <p:strVal val="visible"/>
-                                      </p:to>
-                                    </p:set>
-                                  </p:childTnLst>
-                                </p:cTn>
-                              </p:par>
-                              <p:par>
-                                <p:cTn id="7" presetID="1" presetClass="entr" presetSubtype="0" fill="hold" grpId="0" nodeType="withEffect">
-                                  <p:stCondLst>
-                                    <p:cond delay="0"/>
-                                  </p:stCondLst>
-                                  <p:childTnLst>
-                                    <p:set>
-                                      <p:cBhvr>
-                                        <p:cTn id="8" dur="1" fill="hold">
-                                          <p:stCondLst>
-                                            <p:cond delay="0"/>
-                                          </p:stCondLst>
-                                        </p:cTn>
-                                        <p:tgtEl>
-                                          <p:spTgt spid="5"/>
-                                        </p:tgtEl>
-                                        <p:attrNameLst>
-                                          <p:attrName>style.visibility</p:attrName>
-                                        </p:attrNameLst>
-                                      </p:cBhvr>
-                                      <p:to>
-                                        <p:strVal val="visible"/>
-                                      </p:to>
-                                    </p:set>
-                                  </p:childTnLst>
-                                </p:cTn>
-                              </p:par>
-                              <p:par>
-                                <p:cTn id="9" presetID="1" presetClass="entr" presetSubtype="0" fill="hold" grpId="0" nodeType="withEffect">
-                                  <p:stCondLst>
-                                    <p:cond delay="0"/>
-                                  </p:stCondLst>
-                                  <p:childTnLst>
-                                    <p:set>
-                                      <p:cBhvr>
-                                        <p:cTn id="10" dur="1" fill="hold">
-                                          <p:stCondLst>
-                                            <p:cond delay="0"/>
-                                          </p:stCondLst>
-                                        </p:cTn>
-                                        <p:tgtEl>
-                                          <p:spTgt spid="2"/>
-                                        </p:tgtEl>
-                                        <p:attrNameLst>
-                                          <p:attrName>style.visibility</p:attrName>
-                                        </p:attrNameLst>
-                                      </p:cBhvr>
-                                      <p:to>
-                                        <p:strVal val="visible"/>
-                                      </p:to>
-                                    </p:set>
-                                  </p:childTnLst>
-                                </p:cTn>
-                              </p:par>
-                            </p:childTnLst>
-                          </p:cTn>
-                        </p:par>
-                      </p:childTnLst>
-                    </p:cTn>
-                  </p:par>
-                </p:childTnLst>
-              </p:cTn>
-              <p:prevCondLst>
-                <p:cond evt="onPrev" delay="0">
-                  <p:tgtEl>
-                    <p:sldTgt/>
-                  </p:tgtEl>
-                </p:cond>
-              </p:prevCondLst>
-              <p:nextCondLst>
-                <p:cond evt="onNext" delay="0">
-                  <p:tgtEl>
-                    <p:sldTgt/>
-                  </p:tgtEl>
-                </p:cond>
-              </p:nextCondLst>
-            </p:seq>
-          </p:childTnLst>
-        </p:cTn>
-      </p:par>
-    </p:tnLst>
-    <p:bldLst>
-      <p:bldP spid="5" grpId="0" animBg="1"/>
-      <p:bldP spid="2" grpId="0"/>
-    </p:bldLst>
-  </p:timing>
-</p:sld>
-</file>
-
-<file path=ppt/slides/slide6.xml><?xml version="1.0" encoding="utf-8"?>
 <p:sld xmlns:a="http://schemas.openxmlformats.org/drawingml/2006/main" xmlns:r="http://schemas.openxmlformats.org/officeDocument/2006/relationships" xmlns:p="http://schemas.openxmlformats.org/presentationml/2006/main">
   <p:cSld>
     <p:spTree>
@@ -12007,7 +10237,7 @@
 </p:sld>
 </file>
 
-<file path=ppt/slides/slide7.xml><?xml version="1.0" encoding="utf-8"?>
+<file path=ppt/slides/slide6.xml><?xml version="1.0" encoding="utf-8"?>
 <p:sld xmlns:a="http://schemas.openxmlformats.org/drawingml/2006/main" xmlns:r="http://schemas.openxmlformats.org/officeDocument/2006/relationships" xmlns:p="http://schemas.openxmlformats.org/presentationml/2006/main">
   <p:cSld>
     <p:spTree>
@@ -12415,7 +10645,7 @@
 </p:sld>
 </file>
 
-<file path=ppt/slides/slide8.xml><?xml version="1.0" encoding="utf-8"?>
+<file path=ppt/slides/slide7.xml><?xml version="1.0" encoding="utf-8"?>
 <p:sld xmlns:a="http://schemas.openxmlformats.org/drawingml/2006/main" xmlns:r="http://schemas.openxmlformats.org/officeDocument/2006/relationships" xmlns:p="http://schemas.openxmlformats.org/presentationml/2006/main">
   <p:cSld>
     <p:spTree>
@@ -13106,7 +11336,7 @@
 </p:sld>
 </file>
 
-<file path=ppt/slides/slide9.xml><?xml version="1.0" encoding="utf-8"?>
+<file path=ppt/slides/slide8.xml><?xml version="1.0" encoding="utf-8"?>
 <p:sld xmlns:a="http://schemas.openxmlformats.org/drawingml/2006/main" xmlns:r="http://schemas.openxmlformats.org/officeDocument/2006/relationships" xmlns:p="http://schemas.openxmlformats.org/presentationml/2006/main">
   <p:cSld>
     <p:spTree>
@@ -13592,6 +11822,70 @@
       </p:par>
     </p:tnLst>
   </p:timing>
+</p:sld>
+</file>
+
+<file path=ppt/slides/slide9.xml><?xml version="1.0" encoding="utf-8"?>
+<p:sld xmlns:a="http://schemas.openxmlformats.org/drawingml/2006/main" xmlns:r="http://schemas.openxmlformats.org/officeDocument/2006/relationships" xmlns:p="http://schemas.openxmlformats.org/presentationml/2006/main">
+  <p:cSld>
+    <p:spTree>
+      <p:nvGrpSpPr>
+        <p:cNvPr id="1" name=""/>
+        <p:cNvGrpSpPr/>
+        <p:nvPr/>
+      </p:nvGrpSpPr>
+      <p:grpSpPr>
+        <a:xfrm>
+          <a:off x="0" y="0"/>
+          <a:ext cx="0" cy="0"/>
+          <a:chOff x="0" y="0"/>
+          <a:chExt cx="0" cy="0"/>
+        </a:xfrm>
+      </p:grpSpPr>
+      <p:sp>
+        <p:nvSpPr>
+          <p:cNvPr id="2" name="Title 1">
+            <a:extLst>
+              <a:ext uri="{FF2B5EF4-FFF2-40B4-BE49-F238E27FC236}">
+                <a16:creationId xmlns:a16="http://schemas.microsoft.com/office/drawing/2014/main" id="{D6318E1D-431D-484B-B609-8E1F56E3827C}"/>
+              </a:ext>
+            </a:extLst>
+          </p:cNvPr>
+          <p:cNvSpPr>
+            <a:spLocks noGrp="1"/>
+          </p:cNvSpPr>
+          <p:nvPr>
+            <p:ph type="title"/>
+          </p:nvPr>
+        </p:nvSpPr>
+        <p:spPr>
+          <a:xfrm>
+            <a:off x="0" y="2369185"/>
+            <a:ext cx="12192000" cy="1325563"/>
+          </a:xfrm>
+        </p:spPr>
+        <p:txBody>
+          <a:bodyPr/>
+          <a:lstStyle/>
+          <a:p>
+            <a:pPr algn="ctr"/>
+            <a:r>
+              <a:rPr lang="en-US" dirty="0"/>
+              <a:t>Binds</a:t>
+            </a:r>
+          </a:p>
+        </p:txBody>
+      </p:sp>
+    </p:spTree>
+    <p:extLst>
+      <p:ext uri="{BB962C8B-B14F-4D97-AF65-F5344CB8AC3E}">
+        <p14:creationId xmlns:p14="http://schemas.microsoft.com/office/powerpoint/2010/main" val="147649935"/>
+      </p:ext>
+    </p:extLst>
+  </p:cSld>
+  <p:clrMapOvr>
+    <a:masterClrMapping/>
+  </p:clrMapOvr>
 </p:sld>
 </file>
 
